--- a/Презентация (Поршнев).pptx
+++ b/Презентация (Поршнев).pptx
@@ -4,8 +4,20 @@
   <p:sldMasterIdLst>
     <p:sldMasterId id="2147483684" r:id="rId1"/>
   </p:sldMasterIdLst>
+  <p:notesMasterIdLst>
+    <p:notesMasterId r:id="rId12"/>
+  </p:notesMasterIdLst>
   <p:sldIdLst>
-    <p:sldId id="256" r:id="rId2"/>
+    <p:sldId id="257" r:id="rId2"/>
+    <p:sldId id="259" r:id="rId3"/>
+    <p:sldId id="267" r:id="rId4"/>
+    <p:sldId id="261" r:id="rId5"/>
+    <p:sldId id="268" r:id="rId6"/>
+    <p:sldId id="269" r:id="rId7"/>
+    <p:sldId id="264" r:id="rId8"/>
+    <p:sldId id="270" r:id="rId9"/>
+    <p:sldId id="271" r:id="rId10"/>
+    <p:sldId id="258" r:id="rId11"/>
   </p:sldIdLst>
   <p:sldSz cx="12192000" cy="6858000"/>
   <p:notesSz cx="6858000" cy="9144000"/>
@@ -104,7 +116,446 @@
       </a:defRPr>
     </a:lvl9pPr>
   </p:defaultTextStyle>
+  <p:extLst>
+    <p:ext uri="{EFAFB233-063F-42B5-8137-9DF3F51BA10A}">
+      <p15:sldGuideLst xmlns:p15="http://schemas.microsoft.com/office/powerpoint/2012/main"/>
+    </p:ext>
+  </p:extLst>
 </p:presentation>
+</file>
+
+<file path=ppt/notesMasters/notesMaster1.xml><?xml version="1.0" encoding="utf-8"?>
+<p:notesMaster xmlns:a="http://schemas.openxmlformats.org/drawingml/2006/main" xmlns:r="http://schemas.openxmlformats.org/officeDocument/2006/relationships" xmlns:p="http://schemas.openxmlformats.org/presentationml/2006/main">
+  <p:cSld>
+    <p:bg>
+      <p:bgRef idx="1001">
+        <a:schemeClr val="bg1"/>
+      </p:bgRef>
+    </p:bg>
+    <p:spTree>
+      <p:nvGrpSpPr>
+        <p:cNvPr id="1" name=""/>
+        <p:cNvGrpSpPr/>
+        <p:nvPr/>
+      </p:nvGrpSpPr>
+      <p:grpSpPr>
+        <a:xfrm>
+          <a:off x="0" y="0"/>
+          <a:ext cx="0" cy="0"/>
+          <a:chOff x="0" y="0"/>
+          <a:chExt cx="0" cy="0"/>
+        </a:xfrm>
+      </p:grpSpPr>
+      <p:sp>
+        <p:nvSpPr>
+          <p:cNvPr id="2" name="Верхний колонтитул 1"/>
+          <p:cNvSpPr>
+            <a:spLocks noGrp="1"/>
+          </p:cNvSpPr>
+          <p:nvPr>
+            <p:ph type="hdr" sz="quarter"/>
+          </p:nvPr>
+        </p:nvSpPr>
+        <p:spPr>
+          <a:xfrm>
+            <a:off x="0" y="0"/>
+            <a:ext cx="2971800" cy="458788"/>
+          </a:xfrm>
+          <a:prstGeom prst="rect">
+            <a:avLst/>
+          </a:prstGeom>
+        </p:spPr>
+        <p:txBody>
+          <a:bodyPr vert="horz" lIns="91440" tIns="45720" rIns="91440" bIns="45720" rtlCol="0"/>
+          <a:lstStyle>
+            <a:lvl1pPr algn="l">
+              <a:defRPr sz="1200"/>
+            </a:lvl1pPr>
+          </a:lstStyle>
+          <a:p>
+            <a:endParaRPr lang="ru-RU"/>
+          </a:p>
+        </p:txBody>
+      </p:sp>
+      <p:sp>
+        <p:nvSpPr>
+          <p:cNvPr id="3" name="Дата 2"/>
+          <p:cNvSpPr>
+            <a:spLocks noGrp="1"/>
+          </p:cNvSpPr>
+          <p:nvPr>
+            <p:ph type="dt" idx="1"/>
+          </p:nvPr>
+        </p:nvSpPr>
+        <p:spPr>
+          <a:xfrm>
+            <a:off x="3884613" y="0"/>
+            <a:ext cx="2971800" cy="458788"/>
+          </a:xfrm>
+          <a:prstGeom prst="rect">
+            <a:avLst/>
+          </a:prstGeom>
+        </p:spPr>
+        <p:txBody>
+          <a:bodyPr vert="horz" lIns="91440" tIns="45720" rIns="91440" bIns="45720" rtlCol="0"/>
+          <a:lstStyle>
+            <a:lvl1pPr algn="r">
+              <a:defRPr sz="1200"/>
+            </a:lvl1pPr>
+          </a:lstStyle>
+          <a:p>
+            <a:fld id="{034EF4E9-38F9-476B-9E70-9F823E8BF97F}" type="datetimeFigureOut">
+              <a:rPr lang="ru-RU" smtClean="0"/>
+              <a:t>03.12.2025</a:t>
+            </a:fld>
+            <a:endParaRPr lang="ru-RU"/>
+          </a:p>
+        </p:txBody>
+      </p:sp>
+      <p:sp>
+        <p:nvSpPr>
+          <p:cNvPr id="4" name="Образ слайда 3"/>
+          <p:cNvSpPr>
+            <a:spLocks noGrp="1" noRot="1" noChangeAspect="1"/>
+          </p:cNvSpPr>
+          <p:nvPr>
+            <p:ph type="sldImg" idx="2"/>
+          </p:nvPr>
+        </p:nvSpPr>
+        <p:spPr>
+          <a:xfrm>
+            <a:off x="685800" y="1143000"/>
+            <a:ext cx="5486400" cy="3086100"/>
+          </a:xfrm>
+          <a:prstGeom prst="rect">
+            <a:avLst/>
+          </a:prstGeom>
+          <a:noFill/>
+          <a:ln w="12700">
+            <a:solidFill>
+              <a:prstClr val="black"/>
+            </a:solidFill>
+          </a:ln>
+        </p:spPr>
+        <p:txBody>
+          <a:bodyPr vert="horz" lIns="91440" tIns="45720" rIns="91440" bIns="45720" rtlCol="0" anchor="ctr"/>
+          <a:lstStyle/>
+          <a:p>
+            <a:endParaRPr lang="ru-RU"/>
+          </a:p>
+        </p:txBody>
+      </p:sp>
+      <p:sp>
+        <p:nvSpPr>
+          <p:cNvPr id="5" name="Заметки 4"/>
+          <p:cNvSpPr>
+            <a:spLocks noGrp="1"/>
+          </p:cNvSpPr>
+          <p:nvPr>
+            <p:ph type="body" sz="quarter" idx="3"/>
+          </p:nvPr>
+        </p:nvSpPr>
+        <p:spPr>
+          <a:xfrm>
+            <a:off x="685800" y="4400550"/>
+            <a:ext cx="5486400" cy="3600450"/>
+          </a:xfrm>
+          <a:prstGeom prst="rect">
+            <a:avLst/>
+          </a:prstGeom>
+        </p:spPr>
+        <p:txBody>
+          <a:bodyPr vert="horz" lIns="91440" tIns="45720" rIns="91440" bIns="45720" rtlCol="0"/>
+          <a:lstStyle/>
+          <a:p>
+            <a:pPr lvl="0"/>
+            <a:r>
+              <a:rPr lang="ru-RU" smtClean="0"/>
+              <a:t>Образец текста</a:t>
+            </a:r>
+          </a:p>
+          <a:p>
+            <a:pPr lvl="1"/>
+            <a:r>
+              <a:rPr lang="ru-RU" smtClean="0"/>
+              <a:t>Второй уровень</a:t>
+            </a:r>
+          </a:p>
+          <a:p>
+            <a:pPr lvl="2"/>
+            <a:r>
+              <a:rPr lang="ru-RU" smtClean="0"/>
+              <a:t>Третий уровень</a:t>
+            </a:r>
+          </a:p>
+          <a:p>
+            <a:pPr lvl="3"/>
+            <a:r>
+              <a:rPr lang="ru-RU" smtClean="0"/>
+              <a:t>Четвертый уровень</a:t>
+            </a:r>
+          </a:p>
+          <a:p>
+            <a:pPr lvl="4"/>
+            <a:r>
+              <a:rPr lang="ru-RU" smtClean="0"/>
+              <a:t>Пятый уровень</a:t>
+            </a:r>
+            <a:endParaRPr lang="ru-RU"/>
+          </a:p>
+        </p:txBody>
+      </p:sp>
+      <p:sp>
+        <p:nvSpPr>
+          <p:cNvPr id="6" name="Нижний колонтитул 5"/>
+          <p:cNvSpPr>
+            <a:spLocks noGrp="1"/>
+          </p:cNvSpPr>
+          <p:nvPr>
+            <p:ph type="ftr" sz="quarter" idx="4"/>
+          </p:nvPr>
+        </p:nvSpPr>
+        <p:spPr>
+          <a:xfrm>
+            <a:off x="0" y="8685213"/>
+            <a:ext cx="2971800" cy="458787"/>
+          </a:xfrm>
+          <a:prstGeom prst="rect">
+            <a:avLst/>
+          </a:prstGeom>
+        </p:spPr>
+        <p:txBody>
+          <a:bodyPr vert="horz" lIns="91440" tIns="45720" rIns="91440" bIns="45720" rtlCol="0" anchor="b"/>
+          <a:lstStyle>
+            <a:lvl1pPr algn="l">
+              <a:defRPr sz="1200"/>
+            </a:lvl1pPr>
+          </a:lstStyle>
+          <a:p>
+            <a:endParaRPr lang="ru-RU"/>
+          </a:p>
+        </p:txBody>
+      </p:sp>
+      <p:sp>
+        <p:nvSpPr>
+          <p:cNvPr id="7" name="Номер слайда 6"/>
+          <p:cNvSpPr>
+            <a:spLocks noGrp="1"/>
+          </p:cNvSpPr>
+          <p:nvPr>
+            <p:ph type="sldNum" sz="quarter" idx="5"/>
+          </p:nvPr>
+        </p:nvSpPr>
+        <p:spPr>
+          <a:xfrm>
+            <a:off x="3884613" y="8685213"/>
+            <a:ext cx="2971800" cy="458787"/>
+          </a:xfrm>
+          <a:prstGeom prst="rect">
+            <a:avLst/>
+          </a:prstGeom>
+        </p:spPr>
+        <p:txBody>
+          <a:bodyPr vert="horz" lIns="91440" tIns="45720" rIns="91440" bIns="45720" rtlCol="0" anchor="b"/>
+          <a:lstStyle>
+            <a:lvl1pPr algn="r">
+              <a:defRPr sz="1200"/>
+            </a:lvl1pPr>
+          </a:lstStyle>
+          <a:p>
+            <a:fld id="{7B1FAABC-0AA4-4E61-A4E3-0ECF43D0EF96}" type="slidenum">
+              <a:rPr lang="ru-RU" smtClean="0"/>
+              <a:t>‹#›</a:t>
+            </a:fld>
+            <a:endParaRPr lang="ru-RU"/>
+          </a:p>
+        </p:txBody>
+      </p:sp>
+    </p:spTree>
+    <p:extLst>
+      <p:ext uri="{BB962C8B-B14F-4D97-AF65-F5344CB8AC3E}">
+        <p14:creationId xmlns:p14="http://schemas.microsoft.com/office/powerpoint/2010/main" val="2955455001"/>
+      </p:ext>
+    </p:extLst>
+  </p:cSld>
+  <p:clrMap bg1="lt1" tx1="dk1" bg2="lt2" tx2="dk2" accent1="accent1" accent2="accent2" accent3="accent3" accent4="accent4" accent5="accent5" accent6="accent6" hlink="hlink" folHlink="folHlink"/>
+  <p:notesStyle>
+    <a:lvl1pPr marL="0" algn="l" defTabSz="914400" rtl="0" eaLnBrk="1" latinLnBrk="0" hangingPunct="1">
+      <a:defRPr sz="1200" kern="1200">
+        <a:solidFill>
+          <a:schemeClr val="tx1"/>
+        </a:solidFill>
+        <a:latin typeface="+mn-lt"/>
+        <a:ea typeface="+mn-ea"/>
+        <a:cs typeface="+mn-cs"/>
+      </a:defRPr>
+    </a:lvl1pPr>
+    <a:lvl2pPr marL="457200" algn="l" defTabSz="914400" rtl="0" eaLnBrk="1" latinLnBrk="0" hangingPunct="1">
+      <a:defRPr sz="1200" kern="1200">
+        <a:solidFill>
+          <a:schemeClr val="tx1"/>
+        </a:solidFill>
+        <a:latin typeface="+mn-lt"/>
+        <a:ea typeface="+mn-ea"/>
+        <a:cs typeface="+mn-cs"/>
+      </a:defRPr>
+    </a:lvl2pPr>
+    <a:lvl3pPr marL="914400" algn="l" defTabSz="914400" rtl="0" eaLnBrk="1" latinLnBrk="0" hangingPunct="1">
+      <a:defRPr sz="1200" kern="1200">
+        <a:solidFill>
+          <a:schemeClr val="tx1"/>
+        </a:solidFill>
+        <a:latin typeface="+mn-lt"/>
+        <a:ea typeface="+mn-ea"/>
+        <a:cs typeface="+mn-cs"/>
+      </a:defRPr>
+    </a:lvl3pPr>
+    <a:lvl4pPr marL="1371600" algn="l" defTabSz="914400" rtl="0" eaLnBrk="1" latinLnBrk="0" hangingPunct="1">
+      <a:defRPr sz="1200" kern="1200">
+        <a:solidFill>
+          <a:schemeClr val="tx1"/>
+        </a:solidFill>
+        <a:latin typeface="+mn-lt"/>
+        <a:ea typeface="+mn-ea"/>
+        <a:cs typeface="+mn-cs"/>
+      </a:defRPr>
+    </a:lvl4pPr>
+    <a:lvl5pPr marL="1828800" algn="l" defTabSz="914400" rtl="0" eaLnBrk="1" latinLnBrk="0" hangingPunct="1">
+      <a:defRPr sz="1200" kern="1200">
+        <a:solidFill>
+          <a:schemeClr val="tx1"/>
+        </a:solidFill>
+        <a:latin typeface="+mn-lt"/>
+        <a:ea typeface="+mn-ea"/>
+        <a:cs typeface="+mn-cs"/>
+      </a:defRPr>
+    </a:lvl5pPr>
+    <a:lvl6pPr marL="2286000" algn="l" defTabSz="914400" rtl="0" eaLnBrk="1" latinLnBrk="0" hangingPunct="1">
+      <a:defRPr sz="1200" kern="1200">
+        <a:solidFill>
+          <a:schemeClr val="tx1"/>
+        </a:solidFill>
+        <a:latin typeface="+mn-lt"/>
+        <a:ea typeface="+mn-ea"/>
+        <a:cs typeface="+mn-cs"/>
+      </a:defRPr>
+    </a:lvl6pPr>
+    <a:lvl7pPr marL="2743200" algn="l" defTabSz="914400" rtl="0" eaLnBrk="1" latinLnBrk="0" hangingPunct="1">
+      <a:defRPr sz="1200" kern="1200">
+        <a:solidFill>
+          <a:schemeClr val="tx1"/>
+        </a:solidFill>
+        <a:latin typeface="+mn-lt"/>
+        <a:ea typeface="+mn-ea"/>
+        <a:cs typeface="+mn-cs"/>
+      </a:defRPr>
+    </a:lvl7pPr>
+    <a:lvl8pPr marL="3200400" algn="l" defTabSz="914400" rtl="0" eaLnBrk="1" latinLnBrk="0" hangingPunct="1">
+      <a:defRPr sz="1200" kern="1200">
+        <a:solidFill>
+          <a:schemeClr val="tx1"/>
+        </a:solidFill>
+        <a:latin typeface="+mn-lt"/>
+        <a:ea typeface="+mn-ea"/>
+        <a:cs typeface="+mn-cs"/>
+      </a:defRPr>
+    </a:lvl8pPr>
+    <a:lvl9pPr marL="3657600" algn="l" defTabSz="914400" rtl="0" eaLnBrk="1" latinLnBrk="0" hangingPunct="1">
+      <a:defRPr sz="1200" kern="1200">
+        <a:solidFill>
+          <a:schemeClr val="tx1"/>
+        </a:solidFill>
+        <a:latin typeface="+mn-lt"/>
+        <a:ea typeface="+mn-ea"/>
+        <a:cs typeface="+mn-cs"/>
+      </a:defRPr>
+    </a:lvl9pPr>
+  </p:notesStyle>
+</p:notesMaster>
+</file>
+
+<file path=ppt/notesSlides/notesSlide1.xml><?xml version="1.0" encoding="utf-8"?>
+<p:notes xmlns:a="http://schemas.openxmlformats.org/drawingml/2006/main" xmlns:r="http://schemas.openxmlformats.org/officeDocument/2006/relationships" xmlns:p="http://schemas.openxmlformats.org/presentationml/2006/main">
+  <p:cSld>
+    <p:spTree>
+      <p:nvGrpSpPr>
+        <p:cNvPr id="1" name=""/>
+        <p:cNvGrpSpPr/>
+        <p:nvPr/>
+      </p:nvGrpSpPr>
+      <p:grpSpPr>
+        <a:xfrm>
+          <a:off x="0" y="0"/>
+          <a:ext cx="0" cy="0"/>
+          <a:chOff x="0" y="0"/>
+          <a:chExt cx="0" cy="0"/>
+        </a:xfrm>
+      </p:grpSpPr>
+      <p:sp>
+        <p:nvSpPr>
+          <p:cNvPr id="2" name="Образ слайда 1"/>
+          <p:cNvSpPr>
+            <a:spLocks noGrp="1" noRot="1" noChangeAspect="1"/>
+          </p:cNvSpPr>
+          <p:nvPr>
+            <p:ph type="sldImg"/>
+          </p:nvPr>
+        </p:nvSpPr>
+        <p:spPr/>
+      </p:sp>
+      <p:sp>
+        <p:nvSpPr>
+          <p:cNvPr id="3" name="Заметки 2"/>
+          <p:cNvSpPr>
+            <a:spLocks noGrp="1"/>
+          </p:cNvSpPr>
+          <p:nvPr>
+            <p:ph type="body" idx="1"/>
+          </p:nvPr>
+        </p:nvSpPr>
+        <p:spPr/>
+        <p:txBody>
+          <a:bodyPr/>
+          <a:lstStyle/>
+          <a:p>
+            <a:endParaRPr lang="ru-RU" dirty="0"/>
+          </a:p>
+        </p:txBody>
+      </p:sp>
+      <p:sp>
+        <p:nvSpPr>
+          <p:cNvPr id="4" name="Номер слайда 3"/>
+          <p:cNvSpPr>
+            <a:spLocks noGrp="1"/>
+          </p:cNvSpPr>
+          <p:nvPr>
+            <p:ph type="sldNum" sz="quarter" idx="10"/>
+          </p:nvPr>
+        </p:nvSpPr>
+        <p:spPr/>
+        <p:txBody>
+          <a:bodyPr/>
+          <a:lstStyle/>
+          <a:p>
+            <a:fld id="{7B1FAABC-0AA4-4E61-A4E3-0ECF43D0EF96}" type="slidenum">
+              <a:rPr lang="ru-RU" smtClean="0"/>
+              <a:t>6</a:t>
+            </a:fld>
+            <a:endParaRPr lang="ru-RU"/>
+          </a:p>
+        </p:txBody>
+      </p:sp>
+    </p:spTree>
+    <p:extLst>
+      <p:ext uri="{BB962C8B-B14F-4D97-AF65-F5344CB8AC3E}">
+        <p14:creationId xmlns:p14="http://schemas.microsoft.com/office/powerpoint/2010/main" val="1447196251"/>
+      </p:ext>
+    </p:extLst>
+  </p:cSld>
+  <p:clrMapOvr>
+    <a:masterClrMapping/>
+  </p:clrMapOvr>
+</p:notes>
 </file>
 
 <file path=ppt/slideLayouts/slideLayout1.xml><?xml version="1.0" encoding="utf-8"?>
@@ -238,7 +689,7 @@
           <a:p>
             <a:fld id="{A5DAC022-C4BD-4DE5-B6C6-2C8CA39FFCFB}" type="datetimeFigureOut">
               <a:rPr lang="ru-RU" smtClean="0"/>
-              <a:t>01.12.2025</a:t>
+              <a:t>03.12.2025</a:t>
             </a:fld>
             <a:endParaRPr lang="ru-RU"/>
           </a:p>
@@ -408,7 +859,7 @@
           <a:p>
             <a:fld id="{A5DAC022-C4BD-4DE5-B6C6-2C8CA39FFCFB}" type="datetimeFigureOut">
               <a:rPr lang="ru-RU" smtClean="0"/>
-              <a:t>01.12.2025</a:t>
+              <a:t>03.12.2025</a:t>
             </a:fld>
             <a:endParaRPr lang="ru-RU"/>
           </a:p>
@@ -588,7 +1039,7 @@
           <a:p>
             <a:fld id="{A5DAC022-C4BD-4DE5-B6C6-2C8CA39FFCFB}" type="datetimeFigureOut">
               <a:rPr lang="ru-RU" smtClean="0"/>
-              <a:t>01.12.2025</a:t>
+              <a:t>03.12.2025</a:t>
             </a:fld>
             <a:endParaRPr lang="ru-RU"/>
           </a:p>
@@ -758,7 +1209,7 @@
           <a:p>
             <a:fld id="{A5DAC022-C4BD-4DE5-B6C6-2C8CA39FFCFB}" type="datetimeFigureOut">
               <a:rPr lang="ru-RU" smtClean="0"/>
-              <a:t>01.12.2025</a:t>
+              <a:t>03.12.2025</a:t>
             </a:fld>
             <a:endParaRPr lang="ru-RU"/>
           </a:p>
@@ -1004,7 +1455,7 @@
           <a:p>
             <a:fld id="{A5DAC022-C4BD-4DE5-B6C6-2C8CA39FFCFB}" type="datetimeFigureOut">
               <a:rPr lang="ru-RU" smtClean="0"/>
-              <a:t>01.12.2025</a:t>
+              <a:t>03.12.2025</a:t>
             </a:fld>
             <a:endParaRPr lang="ru-RU"/>
           </a:p>
@@ -1236,7 +1687,7 @@
           <a:p>
             <a:fld id="{A5DAC022-C4BD-4DE5-B6C6-2C8CA39FFCFB}" type="datetimeFigureOut">
               <a:rPr lang="ru-RU" smtClean="0"/>
-              <a:t>01.12.2025</a:t>
+              <a:t>03.12.2025</a:t>
             </a:fld>
             <a:endParaRPr lang="ru-RU"/>
           </a:p>
@@ -1603,7 +2054,7 @@
           <a:p>
             <a:fld id="{A5DAC022-C4BD-4DE5-B6C6-2C8CA39FFCFB}" type="datetimeFigureOut">
               <a:rPr lang="ru-RU" smtClean="0"/>
-              <a:t>01.12.2025</a:t>
+              <a:t>03.12.2025</a:t>
             </a:fld>
             <a:endParaRPr lang="ru-RU"/>
           </a:p>
@@ -1721,7 +2172,7 @@
           <a:p>
             <a:fld id="{A5DAC022-C4BD-4DE5-B6C6-2C8CA39FFCFB}" type="datetimeFigureOut">
               <a:rPr lang="ru-RU" smtClean="0"/>
-              <a:t>01.12.2025</a:t>
+              <a:t>03.12.2025</a:t>
             </a:fld>
             <a:endParaRPr lang="ru-RU"/>
           </a:p>
@@ -1816,7 +2267,7 @@
           <a:p>
             <a:fld id="{A5DAC022-C4BD-4DE5-B6C6-2C8CA39FFCFB}" type="datetimeFigureOut">
               <a:rPr lang="ru-RU" smtClean="0"/>
-              <a:t>01.12.2025</a:t>
+              <a:t>03.12.2025</a:t>
             </a:fld>
             <a:endParaRPr lang="ru-RU"/>
           </a:p>
@@ -2093,7 +2544,7 @@
           <a:p>
             <a:fld id="{A5DAC022-C4BD-4DE5-B6C6-2C8CA39FFCFB}" type="datetimeFigureOut">
               <a:rPr lang="ru-RU" smtClean="0"/>
-              <a:t>01.12.2025</a:t>
+              <a:t>03.12.2025</a:t>
             </a:fld>
             <a:endParaRPr lang="ru-RU"/>
           </a:p>
@@ -2346,7 +2797,7 @@
           <a:p>
             <a:fld id="{A5DAC022-C4BD-4DE5-B6C6-2C8CA39FFCFB}" type="datetimeFigureOut">
               <a:rPr lang="ru-RU" smtClean="0"/>
-              <a:t>01.12.2025</a:t>
+              <a:t>03.12.2025</a:t>
             </a:fld>
             <a:endParaRPr lang="ru-RU"/>
           </a:p>
@@ -2559,7 +3010,7 @@
           <a:p>
             <a:fld id="{A5DAC022-C4BD-4DE5-B6C6-2C8CA39FFCFB}" type="datetimeFigureOut">
               <a:rPr lang="ru-RU" smtClean="0"/>
-              <a:t>01.12.2025</a:t>
+              <a:t>03.12.2025</a:t>
             </a:fld>
             <a:endParaRPr lang="ru-RU"/>
           </a:p>
@@ -4002,8 +4453,8 @@
         </p:blipFill>
         <p:spPr>
           <a:xfrm>
-            <a:off x="10215561" y="4703650"/>
-            <a:ext cx="1647828" cy="2007506"/>
+            <a:off x="10376451" y="4899658"/>
+            <a:ext cx="1486937" cy="1811497"/>
           </a:xfrm>
           <a:prstGeom prst="rect">
             <a:avLst/>
@@ -4013,7 +4464,3446 @@
     </p:spTree>
     <p:extLst>
       <p:ext uri="{BB962C8B-B14F-4D97-AF65-F5344CB8AC3E}">
-        <p14:creationId xmlns:p14="http://schemas.microsoft.com/office/powerpoint/2010/main" val="3397765108"/>
+        <p14:creationId xmlns:p14="http://schemas.microsoft.com/office/powerpoint/2010/main" val="1988380896"/>
+      </p:ext>
+    </p:extLst>
+  </p:cSld>
+  <p:clrMapOvr>
+    <a:masterClrMapping/>
+  </p:clrMapOvr>
+  <p:timing>
+    <p:tnLst>
+      <p:par>
+        <p:cTn id="1" dur="indefinite" restart="never" nodeType="tmRoot"/>
+      </p:par>
+    </p:tnLst>
+  </p:timing>
+</p:sld>
+</file>
+
+<file path=ppt/slides/slide10.xml><?xml version="1.0" encoding="utf-8"?>
+<p:sld xmlns:a="http://schemas.openxmlformats.org/drawingml/2006/main" xmlns:r="http://schemas.openxmlformats.org/officeDocument/2006/relationships" xmlns:p="http://schemas.openxmlformats.org/presentationml/2006/main">
+  <p:cSld>
+    <p:bg>
+      <p:bgPr>
+        <a:solidFill>
+          <a:srgbClr val="0032A0"/>
+        </a:solidFill>
+        <a:effectLst/>
+      </p:bgPr>
+    </p:bg>
+    <p:spTree>
+      <p:nvGrpSpPr>
+        <p:cNvPr id="1" name=""/>
+        <p:cNvGrpSpPr/>
+        <p:nvPr/>
+      </p:nvGrpSpPr>
+      <p:grpSpPr>
+        <a:xfrm>
+          <a:off x="0" y="0"/>
+          <a:ext cx="0" cy="0"/>
+          <a:chOff x="0" y="0"/>
+          <a:chExt cx="0" cy="0"/>
+        </a:xfrm>
+      </p:grpSpPr>
+      <p:sp>
+        <p:nvSpPr>
+          <p:cNvPr id="2" name="Заголовок 1"/>
+          <p:cNvSpPr>
+            <a:spLocks noGrp="1"/>
+          </p:cNvSpPr>
+          <p:nvPr>
+            <p:ph type="ctrTitle"/>
+          </p:nvPr>
+        </p:nvSpPr>
+        <p:spPr>
+          <a:xfrm>
+            <a:off x="1523999" y="0"/>
+            <a:ext cx="9144000" cy="1800225"/>
+          </a:xfrm>
+        </p:spPr>
+        <p:txBody>
+          <a:bodyPr>
+            <a:noAutofit/>
+          </a:bodyPr>
+          <a:lstStyle/>
+          <a:p>
+            <a:r>
+              <a:rPr lang="ru-RU" sz="1400" b="1" dirty="0" smtClean="0">
+                <a:solidFill>
+                  <a:schemeClr val="bg1"/>
+                </a:solidFill>
+                <a:latin typeface="Bahnschrift Condensed" panose="020B0502040204020203" pitchFamily="34" charset="0"/>
+                <a:cs typeface="Arial" panose="020B0604020202020204" pitchFamily="34" charset="0"/>
+              </a:rPr>
+              <a:t>ФЕДЕРАЛЬНОЕ ГОСУДАРСТВЕННОЕ БЮДЖЕТНОЕ ОБРАЗОВАТЕЛЬНОЕ УЧРЕЖДЕНИЕ ВЫСШЕГО ОБРАЗОВАНИЯ </a:t>
+            </a:r>
+            <a:r>
+              <a:rPr lang="en-US" sz="1400" b="1" dirty="0" smtClean="0">
+                <a:solidFill>
+                  <a:schemeClr val="bg1"/>
+                </a:solidFill>
+                <a:latin typeface="Bahnschrift Condensed" panose="020B0502040204020203" pitchFamily="34" charset="0"/>
+                <a:cs typeface="Arial" panose="020B0604020202020204" pitchFamily="34" charset="0"/>
+              </a:rPr>
+              <a:t/>
+            </a:r>
+            <a:br>
+              <a:rPr lang="en-US" sz="1400" b="1" dirty="0" smtClean="0">
+                <a:solidFill>
+                  <a:schemeClr val="bg1"/>
+                </a:solidFill>
+                <a:latin typeface="Bahnschrift Condensed" panose="020B0502040204020203" pitchFamily="34" charset="0"/>
+                <a:cs typeface="Arial" panose="020B0604020202020204" pitchFamily="34" charset="0"/>
+              </a:rPr>
+            </a:br>
+            <a:r>
+              <a:rPr lang="ru-RU" sz="1400" b="1" dirty="0" smtClean="0">
+                <a:solidFill>
+                  <a:schemeClr val="bg1"/>
+                </a:solidFill>
+                <a:latin typeface="Bahnschrift Condensed" panose="020B0502040204020203" pitchFamily="34" charset="0"/>
+                <a:cs typeface="Arial" panose="020B0604020202020204" pitchFamily="34" charset="0"/>
+              </a:rPr>
+              <a:t>«САНКТ-ПЕТЕРБУРГСКИЙ ГОСУДАРСТВЕННЫЙ УНИВЕРСИТЕТ </a:t>
+            </a:r>
+            <a:r>
+              <a:rPr lang="en-US" sz="1400" b="1" dirty="0" smtClean="0">
+                <a:solidFill>
+                  <a:schemeClr val="bg1"/>
+                </a:solidFill>
+                <a:latin typeface="Bahnschrift Condensed" panose="020B0502040204020203" pitchFamily="34" charset="0"/>
+                <a:cs typeface="Arial" panose="020B0604020202020204" pitchFamily="34" charset="0"/>
+              </a:rPr>
+              <a:t/>
+            </a:r>
+            <a:br>
+              <a:rPr lang="en-US" sz="1400" b="1" dirty="0" smtClean="0">
+                <a:solidFill>
+                  <a:schemeClr val="bg1"/>
+                </a:solidFill>
+                <a:latin typeface="Bahnschrift Condensed" panose="020B0502040204020203" pitchFamily="34" charset="0"/>
+                <a:cs typeface="Arial" panose="020B0604020202020204" pitchFamily="34" charset="0"/>
+              </a:rPr>
+            </a:br>
+            <a:r>
+              <a:rPr lang="ru-RU" sz="1400" b="1" dirty="0" smtClean="0">
+                <a:solidFill>
+                  <a:schemeClr val="bg1"/>
+                </a:solidFill>
+                <a:latin typeface="Bahnschrift Condensed" panose="020B0502040204020203" pitchFamily="34" charset="0"/>
+                <a:cs typeface="Arial" panose="020B0604020202020204" pitchFamily="34" charset="0"/>
+              </a:rPr>
+              <a:t>ТЕЛЕКОММУНИКАЦИЙ ИМ. ПРОФ. М.А. БОНЧ-БРУЕВИЧА» </a:t>
+            </a:r>
+            <a:r>
+              <a:rPr lang="en-US" sz="1400" b="1" dirty="0" smtClean="0">
+                <a:solidFill>
+                  <a:schemeClr val="bg1"/>
+                </a:solidFill>
+                <a:latin typeface="Bahnschrift Condensed" panose="020B0502040204020203" pitchFamily="34" charset="0"/>
+                <a:cs typeface="Arial" panose="020B0604020202020204" pitchFamily="34" charset="0"/>
+              </a:rPr>
+              <a:t/>
+            </a:r>
+            <a:br>
+              <a:rPr lang="en-US" sz="1400" b="1" dirty="0" smtClean="0">
+                <a:solidFill>
+                  <a:schemeClr val="bg1"/>
+                </a:solidFill>
+                <a:latin typeface="Bahnschrift Condensed" panose="020B0502040204020203" pitchFamily="34" charset="0"/>
+                <a:cs typeface="Arial" panose="020B0604020202020204" pitchFamily="34" charset="0"/>
+              </a:rPr>
+            </a:br>
+            <a:r>
+              <a:rPr lang="ru-RU" sz="1400" b="1" dirty="0" smtClean="0">
+                <a:solidFill>
+                  <a:schemeClr val="bg1"/>
+                </a:solidFill>
+                <a:latin typeface="Bahnschrift Condensed" panose="020B0502040204020203" pitchFamily="34" charset="0"/>
+                <a:cs typeface="Arial" panose="020B0604020202020204" pitchFamily="34" charset="0"/>
+              </a:rPr>
+              <a:t>(</a:t>
+            </a:r>
+            <a:r>
+              <a:rPr lang="ru-RU" sz="1400" b="1" dirty="0" err="1" smtClean="0">
+                <a:solidFill>
+                  <a:schemeClr val="bg1"/>
+                </a:solidFill>
+                <a:latin typeface="Bahnschrift Condensed" panose="020B0502040204020203" pitchFamily="34" charset="0"/>
+                <a:cs typeface="Arial" panose="020B0604020202020204" pitchFamily="34" charset="0"/>
+              </a:rPr>
+              <a:t>СПбГУТ</a:t>
+            </a:r>
+            <a:r>
+              <a:rPr lang="ru-RU" sz="1400" b="1" dirty="0" smtClean="0">
+                <a:solidFill>
+                  <a:schemeClr val="bg1"/>
+                </a:solidFill>
+                <a:latin typeface="Bahnschrift Condensed" panose="020B0502040204020203" pitchFamily="34" charset="0"/>
+                <a:cs typeface="Arial" panose="020B0604020202020204" pitchFamily="34" charset="0"/>
+              </a:rPr>
+              <a:t>) </a:t>
+            </a:r>
+            <a:r>
+              <a:rPr lang="en-US" sz="1400" b="1" dirty="0" smtClean="0">
+                <a:solidFill>
+                  <a:schemeClr val="bg1"/>
+                </a:solidFill>
+                <a:latin typeface="Bahnschrift Condensed" panose="020B0502040204020203" pitchFamily="34" charset="0"/>
+                <a:cs typeface="Arial" panose="020B0604020202020204" pitchFamily="34" charset="0"/>
+              </a:rPr>
+              <a:t/>
+            </a:r>
+            <a:br>
+              <a:rPr lang="en-US" sz="1400" b="1" dirty="0" smtClean="0">
+                <a:solidFill>
+                  <a:schemeClr val="bg1"/>
+                </a:solidFill>
+                <a:latin typeface="Bahnschrift Condensed" panose="020B0502040204020203" pitchFamily="34" charset="0"/>
+                <a:cs typeface="Arial" panose="020B0604020202020204" pitchFamily="34" charset="0"/>
+              </a:rPr>
+            </a:br>
+            <a:r>
+              <a:rPr lang="en-US" sz="1400" b="1" dirty="0" smtClean="0">
+                <a:solidFill>
+                  <a:schemeClr val="bg1"/>
+                </a:solidFill>
+                <a:latin typeface="Bahnschrift Condensed" panose="020B0502040204020203" pitchFamily="34" charset="0"/>
+                <a:cs typeface="Arial" panose="020B0604020202020204" pitchFamily="34" charset="0"/>
+              </a:rPr>
+              <a:t/>
+            </a:r>
+            <a:br>
+              <a:rPr lang="en-US" sz="1400" b="1" dirty="0" smtClean="0">
+                <a:solidFill>
+                  <a:schemeClr val="bg1"/>
+                </a:solidFill>
+                <a:latin typeface="Bahnschrift Condensed" panose="020B0502040204020203" pitchFamily="34" charset="0"/>
+                <a:cs typeface="Arial" panose="020B0604020202020204" pitchFamily="34" charset="0"/>
+              </a:rPr>
+            </a:br>
+            <a:r>
+              <a:rPr lang="ru-RU" sz="1400" b="1" dirty="0" smtClean="0">
+                <a:solidFill>
+                  <a:schemeClr val="bg1"/>
+                </a:solidFill>
+                <a:latin typeface="Bahnschrift Condensed" panose="020B0502040204020203" pitchFamily="34" charset="0"/>
+                <a:cs typeface="Arial" panose="020B0604020202020204" pitchFamily="34" charset="0"/>
+              </a:rPr>
+              <a:t>АРХАНГЕЛЬСКИЙ КОЛЛЕДЖ ТЕЛЕКОММУНИКАЦИЙ </a:t>
+            </a:r>
+            <a:r>
+              <a:rPr lang="en-US" sz="1400" b="1" dirty="0" smtClean="0">
+                <a:solidFill>
+                  <a:schemeClr val="bg1"/>
+                </a:solidFill>
+                <a:latin typeface="Bahnschrift Condensed" panose="020B0502040204020203" pitchFamily="34" charset="0"/>
+                <a:cs typeface="Arial" panose="020B0604020202020204" pitchFamily="34" charset="0"/>
+              </a:rPr>
+              <a:t/>
+            </a:r>
+            <a:br>
+              <a:rPr lang="en-US" sz="1400" b="1" dirty="0" smtClean="0">
+                <a:solidFill>
+                  <a:schemeClr val="bg1"/>
+                </a:solidFill>
+                <a:latin typeface="Bahnschrift Condensed" panose="020B0502040204020203" pitchFamily="34" charset="0"/>
+                <a:cs typeface="Arial" panose="020B0604020202020204" pitchFamily="34" charset="0"/>
+              </a:rPr>
+            </a:br>
+            <a:r>
+              <a:rPr lang="ru-RU" sz="1400" b="1" dirty="0" smtClean="0">
+                <a:solidFill>
+                  <a:schemeClr val="bg1"/>
+                </a:solidFill>
+                <a:latin typeface="Bahnschrift Condensed" panose="020B0502040204020203" pitchFamily="34" charset="0"/>
+                <a:cs typeface="Arial" panose="020B0604020202020204" pitchFamily="34" charset="0"/>
+              </a:rPr>
+              <a:t>ИМ. Б.Л. РОЗИНГА (ФИЛИАЛ) </a:t>
+            </a:r>
+            <a:r>
+              <a:rPr lang="ru-RU" sz="1400" b="1" dirty="0" err="1" smtClean="0">
+                <a:solidFill>
+                  <a:schemeClr val="bg1"/>
+                </a:solidFill>
+                <a:latin typeface="Bahnschrift Condensed" panose="020B0502040204020203" pitchFamily="34" charset="0"/>
+                <a:cs typeface="Arial" panose="020B0604020202020204" pitchFamily="34" charset="0"/>
+              </a:rPr>
+              <a:t>СПбГУТ</a:t>
+            </a:r>
+            <a:r>
+              <a:rPr lang="ru-RU" sz="1400" b="1" dirty="0" smtClean="0">
+                <a:solidFill>
+                  <a:schemeClr val="bg1"/>
+                </a:solidFill>
+                <a:latin typeface="Bahnschrift Condensed" panose="020B0502040204020203" pitchFamily="34" charset="0"/>
+                <a:cs typeface="Arial" panose="020B0604020202020204" pitchFamily="34" charset="0"/>
+              </a:rPr>
+              <a:t> </a:t>
+            </a:r>
+            <a:r>
+              <a:rPr lang="en-US" sz="1400" b="1" dirty="0" smtClean="0">
+                <a:solidFill>
+                  <a:schemeClr val="bg1"/>
+                </a:solidFill>
+                <a:latin typeface="Bahnschrift Condensed" panose="020B0502040204020203" pitchFamily="34" charset="0"/>
+                <a:cs typeface="Arial" panose="020B0604020202020204" pitchFamily="34" charset="0"/>
+              </a:rPr>
+              <a:t/>
+            </a:r>
+            <a:br>
+              <a:rPr lang="en-US" sz="1400" b="1" dirty="0" smtClean="0">
+                <a:solidFill>
+                  <a:schemeClr val="bg1"/>
+                </a:solidFill>
+                <a:latin typeface="Bahnschrift Condensed" panose="020B0502040204020203" pitchFamily="34" charset="0"/>
+                <a:cs typeface="Arial" panose="020B0604020202020204" pitchFamily="34" charset="0"/>
+              </a:rPr>
+            </a:br>
+            <a:r>
+              <a:rPr lang="ru-RU" sz="1400" b="1" dirty="0" smtClean="0">
+                <a:solidFill>
+                  <a:schemeClr val="bg1"/>
+                </a:solidFill>
+                <a:latin typeface="Bahnschrift Condensed" panose="020B0502040204020203" pitchFamily="34" charset="0"/>
+                <a:cs typeface="Arial" panose="020B0604020202020204" pitchFamily="34" charset="0"/>
+              </a:rPr>
+              <a:t>(АКТ (ф) </a:t>
+            </a:r>
+            <a:r>
+              <a:rPr lang="ru-RU" sz="1400" b="1" dirty="0" err="1" smtClean="0">
+                <a:solidFill>
+                  <a:schemeClr val="bg1"/>
+                </a:solidFill>
+                <a:latin typeface="Bahnschrift Condensed" panose="020B0502040204020203" pitchFamily="34" charset="0"/>
+                <a:cs typeface="Arial" panose="020B0604020202020204" pitchFamily="34" charset="0"/>
+              </a:rPr>
+              <a:t>СПбГУТ</a:t>
+            </a:r>
+            <a:r>
+              <a:rPr lang="ru-RU" sz="1400" b="1" dirty="0" smtClean="0">
+                <a:solidFill>
+                  <a:schemeClr val="bg1"/>
+                </a:solidFill>
+                <a:latin typeface="Bahnschrift Condensed" panose="020B0502040204020203" pitchFamily="34" charset="0"/>
+                <a:cs typeface="Arial" panose="020B0604020202020204" pitchFamily="34" charset="0"/>
+              </a:rPr>
+              <a:t>) </a:t>
+            </a:r>
+            <a:endParaRPr lang="ru-RU" sz="1400" b="1" dirty="0">
+              <a:solidFill>
+                <a:schemeClr val="bg1"/>
+              </a:solidFill>
+              <a:latin typeface="Bahnschrift Condensed" panose="020B0502040204020203" pitchFamily="34" charset="0"/>
+              <a:cs typeface="Arial" panose="020B0604020202020204" pitchFamily="34" charset="0"/>
+            </a:endParaRPr>
+          </a:p>
+        </p:txBody>
+      </p:sp>
+      <p:sp>
+        <p:nvSpPr>
+          <p:cNvPr id="3" name="Подзаголовок 2"/>
+          <p:cNvSpPr>
+            <a:spLocks noGrp="1"/>
+          </p:cNvSpPr>
+          <p:nvPr>
+            <p:ph type="subTitle" idx="1"/>
+          </p:nvPr>
+        </p:nvSpPr>
+        <p:spPr>
+          <a:xfrm>
+            <a:off x="738186" y="3188295"/>
+            <a:ext cx="6577014" cy="1336080"/>
+          </a:xfrm>
+        </p:spPr>
+        <p:txBody>
+          <a:bodyPr>
+            <a:noAutofit/>
+          </a:bodyPr>
+          <a:lstStyle/>
+          <a:p>
+            <a:pPr algn="l">
+              <a:lnSpc>
+                <a:spcPct val="114000"/>
+              </a:lnSpc>
+            </a:pPr>
+            <a:r>
+              <a:rPr lang="ru-RU" sz="3600" dirty="0" smtClean="0">
+                <a:solidFill>
+                  <a:schemeClr val="bg1"/>
+                </a:solidFill>
+                <a:latin typeface="Bahnschrift Condensed" panose="020B0502040204020203" pitchFamily="34" charset="0"/>
+                <a:cs typeface="Arial" panose="020B0604020202020204" pitchFamily="34" charset="0"/>
+              </a:rPr>
+              <a:t>Разработка подсистемы подачи заявок на мероприятия службы занятости</a:t>
+            </a:r>
+            <a:endParaRPr lang="ru-RU" sz="3600" dirty="0">
+              <a:solidFill>
+                <a:schemeClr val="bg1"/>
+              </a:solidFill>
+              <a:latin typeface="Bahnschrift Condensed" panose="020B0502040204020203" pitchFamily="34" charset="0"/>
+              <a:cs typeface="Arial" panose="020B0604020202020204" pitchFamily="34" charset="0"/>
+            </a:endParaRPr>
+          </a:p>
+        </p:txBody>
+      </p:sp>
+      <p:sp>
+        <p:nvSpPr>
+          <p:cNvPr id="5" name="Подзаголовок 2"/>
+          <p:cNvSpPr txBox="1">
+            <a:spLocks/>
+          </p:cNvSpPr>
+          <p:nvPr/>
+        </p:nvSpPr>
+        <p:spPr>
+          <a:xfrm>
+            <a:off x="114300" y="4905871"/>
+            <a:ext cx="3838575" cy="646112"/>
+          </a:xfrm>
+          <a:prstGeom prst="rect">
+            <a:avLst/>
+          </a:prstGeom>
+        </p:spPr>
+        <p:txBody>
+          <a:bodyPr vert="horz" lIns="91440" tIns="45720" rIns="91440" bIns="45720" rtlCol="0">
+            <a:normAutofit lnSpcReduction="10000"/>
+          </a:bodyPr>
+          <a:lstStyle>
+            <a:lvl1pPr marL="0" indent="0" algn="ctr" defTabSz="914400" rtl="0" eaLnBrk="1" latinLnBrk="0" hangingPunct="1">
+              <a:lnSpc>
+                <a:spcPct val="90000"/>
+              </a:lnSpc>
+              <a:spcBef>
+                <a:spcPts val="1000"/>
+              </a:spcBef>
+              <a:buFont typeface="Arial" panose="020B0604020202020204" pitchFamily="34" charset="0"/>
+              <a:buNone/>
+              <a:defRPr sz="2400" kern="1200">
+                <a:solidFill>
+                  <a:schemeClr val="tx1"/>
+                </a:solidFill>
+                <a:latin typeface="+mn-lt"/>
+                <a:ea typeface="+mn-ea"/>
+                <a:cs typeface="+mn-cs"/>
+              </a:defRPr>
+            </a:lvl1pPr>
+            <a:lvl2pPr marL="457200" indent="0" algn="ctr" defTabSz="914400" rtl="0" eaLnBrk="1" latinLnBrk="0" hangingPunct="1">
+              <a:lnSpc>
+                <a:spcPct val="90000"/>
+              </a:lnSpc>
+              <a:spcBef>
+                <a:spcPts val="500"/>
+              </a:spcBef>
+              <a:buFont typeface="Arial" panose="020B0604020202020204" pitchFamily="34" charset="0"/>
+              <a:buNone/>
+              <a:defRPr sz="2000" kern="1200">
+                <a:solidFill>
+                  <a:schemeClr val="tx1"/>
+                </a:solidFill>
+                <a:latin typeface="+mn-lt"/>
+                <a:ea typeface="+mn-ea"/>
+                <a:cs typeface="+mn-cs"/>
+              </a:defRPr>
+            </a:lvl2pPr>
+            <a:lvl3pPr marL="914400" indent="0" algn="ctr" defTabSz="914400" rtl="0" eaLnBrk="1" latinLnBrk="0" hangingPunct="1">
+              <a:lnSpc>
+                <a:spcPct val="90000"/>
+              </a:lnSpc>
+              <a:spcBef>
+                <a:spcPts val="500"/>
+              </a:spcBef>
+              <a:buFont typeface="Arial" panose="020B0604020202020204" pitchFamily="34" charset="0"/>
+              <a:buNone/>
+              <a:defRPr sz="1800" kern="1200">
+                <a:solidFill>
+                  <a:schemeClr val="tx1"/>
+                </a:solidFill>
+                <a:latin typeface="+mn-lt"/>
+                <a:ea typeface="+mn-ea"/>
+                <a:cs typeface="+mn-cs"/>
+              </a:defRPr>
+            </a:lvl3pPr>
+            <a:lvl4pPr marL="1371600" indent="0" algn="ctr" defTabSz="914400" rtl="0" eaLnBrk="1" latinLnBrk="0" hangingPunct="1">
+              <a:lnSpc>
+                <a:spcPct val="90000"/>
+              </a:lnSpc>
+              <a:spcBef>
+                <a:spcPts val="500"/>
+              </a:spcBef>
+              <a:buFont typeface="Arial" panose="020B0604020202020204" pitchFamily="34" charset="0"/>
+              <a:buNone/>
+              <a:defRPr sz="1600" kern="1200">
+                <a:solidFill>
+                  <a:schemeClr val="tx1"/>
+                </a:solidFill>
+                <a:latin typeface="+mn-lt"/>
+                <a:ea typeface="+mn-ea"/>
+                <a:cs typeface="+mn-cs"/>
+              </a:defRPr>
+            </a:lvl4pPr>
+            <a:lvl5pPr marL="1828800" indent="0" algn="ctr" defTabSz="914400" rtl="0" eaLnBrk="1" latinLnBrk="0" hangingPunct="1">
+              <a:lnSpc>
+                <a:spcPct val="90000"/>
+              </a:lnSpc>
+              <a:spcBef>
+                <a:spcPts val="500"/>
+              </a:spcBef>
+              <a:buFont typeface="Arial" panose="020B0604020202020204" pitchFamily="34" charset="0"/>
+              <a:buNone/>
+              <a:defRPr sz="1600" kern="1200">
+                <a:solidFill>
+                  <a:schemeClr val="tx1"/>
+                </a:solidFill>
+                <a:latin typeface="+mn-lt"/>
+                <a:ea typeface="+mn-ea"/>
+                <a:cs typeface="+mn-cs"/>
+              </a:defRPr>
+            </a:lvl5pPr>
+            <a:lvl6pPr marL="2286000" indent="0" algn="ctr" defTabSz="914400" rtl="0" eaLnBrk="1" latinLnBrk="0" hangingPunct="1">
+              <a:lnSpc>
+                <a:spcPct val="90000"/>
+              </a:lnSpc>
+              <a:spcBef>
+                <a:spcPts val="500"/>
+              </a:spcBef>
+              <a:buFont typeface="Arial" panose="020B0604020202020204" pitchFamily="34" charset="0"/>
+              <a:buNone/>
+              <a:defRPr sz="1600" kern="1200">
+                <a:solidFill>
+                  <a:schemeClr val="tx1"/>
+                </a:solidFill>
+                <a:latin typeface="+mn-lt"/>
+                <a:ea typeface="+mn-ea"/>
+                <a:cs typeface="+mn-cs"/>
+              </a:defRPr>
+            </a:lvl6pPr>
+            <a:lvl7pPr marL="2743200" indent="0" algn="ctr" defTabSz="914400" rtl="0" eaLnBrk="1" latinLnBrk="0" hangingPunct="1">
+              <a:lnSpc>
+                <a:spcPct val="90000"/>
+              </a:lnSpc>
+              <a:spcBef>
+                <a:spcPts val="500"/>
+              </a:spcBef>
+              <a:buFont typeface="Arial" panose="020B0604020202020204" pitchFamily="34" charset="0"/>
+              <a:buNone/>
+              <a:defRPr sz="1600" kern="1200">
+                <a:solidFill>
+                  <a:schemeClr val="tx1"/>
+                </a:solidFill>
+                <a:latin typeface="+mn-lt"/>
+                <a:ea typeface="+mn-ea"/>
+                <a:cs typeface="+mn-cs"/>
+              </a:defRPr>
+            </a:lvl7pPr>
+            <a:lvl8pPr marL="3200400" indent="0" algn="ctr" defTabSz="914400" rtl="0" eaLnBrk="1" latinLnBrk="0" hangingPunct="1">
+              <a:lnSpc>
+                <a:spcPct val="90000"/>
+              </a:lnSpc>
+              <a:spcBef>
+                <a:spcPts val="500"/>
+              </a:spcBef>
+              <a:buFont typeface="Arial" panose="020B0604020202020204" pitchFamily="34" charset="0"/>
+              <a:buNone/>
+              <a:defRPr sz="1600" kern="1200">
+                <a:solidFill>
+                  <a:schemeClr val="tx1"/>
+                </a:solidFill>
+                <a:latin typeface="+mn-lt"/>
+                <a:ea typeface="+mn-ea"/>
+                <a:cs typeface="+mn-cs"/>
+              </a:defRPr>
+            </a:lvl8pPr>
+            <a:lvl9pPr marL="3657600" indent="0" algn="ctr" defTabSz="914400" rtl="0" eaLnBrk="1" latinLnBrk="0" hangingPunct="1">
+              <a:lnSpc>
+                <a:spcPct val="90000"/>
+              </a:lnSpc>
+              <a:spcBef>
+                <a:spcPts val="500"/>
+              </a:spcBef>
+              <a:buFont typeface="Arial" panose="020B0604020202020204" pitchFamily="34" charset="0"/>
+              <a:buNone/>
+              <a:defRPr sz="1600" kern="1200">
+                <a:solidFill>
+                  <a:schemeClr val="tx1"/>
+                </a:solidFill>
+                <a:latin typeface="+mn-lt"/>
+                <a:ea typeface="+mn-ea"/>
+                <a:cs typeface="+mn-cs"/>
+              </a:defRPr>
+            </a:lvl9pPr>
+          </a:lstStyle>
+          <a:p>
+            <a:pPr algn="l"/>
+            <a:r>
+              <a:rPr lang="ru-RU" sz="1600" dirty="0" smtClean="0">
+                <a:solidFill>
+                  <a:schemeClr val="bg1"/>
+                </a:solidFill>
+                <a:latin typeface="Bahnschrift Condensed" panose="020B0502040204020203" pitchFamily="34" charset="0"/>
+                <a:cs typeface="Arial" panose="020B0604020202020204" pitchFamily="34" charset="0"/>
+              </a:rPr>
+              <a:t>Студент группы ИСПП-</a:t>
+            </a:r>
+            <a:r>
+              <a:rPr lang="en-US" sz="1600" dirty="0" smtClean="0">
+                <a:solidFill>
+                  <a:schemeClr val="bg1"/>
+                </a:solidFill>
+                <a:latin typeface="Bahnschrift Condensed" panose="020B0502040204020203" pitchFamily="34" charset="0"/>
+                <a:cs typeface="Arial" panose="020B0604020202020204" pitchFamily="34" charset="0"/>
+              </a:rPr>
+              <a:t>2</a:t>
+            </a:r>
+            <a:r>
+              <a:rPr lang="ru-RU" sz="1600" dirty="0" smtClean="0">
+                <a:solidFill>
+                  <a:schemeClr val="bg1"/>
+                </a:solidFill>
+                <a:latin typeface="Bahnschrift Condensed" panose="020B0502040204020203" pitchFamily="34" charset="0"/>
+                <a:cs typeface="Arial" panose="020B0604020202020204" pitchFamily="34" charset="0"/>
+              </a:rPr>
+              <a:t>1: Поршнев Артём Николаевич</a:t>
+            </a:r>
+          </a:p>
+          <a:p>
+            <a:pPr algn="l"/>
+            <a:r>
+              <a:rPr lang="ru-RU" sz="1600" dirty="0" smtClean="0">
+                <a:solidFill>
+                  <a:schemeClr val="bg1"/>
+                </a:solidFill>
+                <a:latin typeface="Bahnschrift Condensed" panose="020B0502040204020203" pitchFamily="34" charset="0"/>
+                <a:cs typeface="Arial" panose="020B0604020202020204" pitchFamily="34" charset="0"/>
+              </a:rPr>
+              <a:t>Руководитель: </a:t>
+            </a:r>
+            <a:r>
+              <a:rPr lang="ru-RU" sz="1600" dirty="0" err="1" smtClean="0">
+                <a:solidFill>
+                  <a:schemeClr val="bg1"/>
+                </a:solidFill>
+                <a:latin typeface="Bahnschrift Condensed" panose="020B0502040204020203" pitchFamily="34" charset="0"/>
+                <a:cs typeface="Arial" panose="020B0604020202020204" pitchFamily="34" charset="0"/>
+              </a:rPr>
+              <a:t>Маломан</a:t>
+            </a:r>
+            <a:r>
+              <a:rPr lang="ru-RU" sz="1600" dirty="0" smtClean="0">
+                <a:solidFill>
+                  <a:schemeClr val="bg1"/>
+                </a:solidFill>
+                <a:latin typeface="Bahnschrift Condensed" panose="020B0502040204020203" pitchFamily="34" charset="0"/>
+                <a:cs typeface="Arial" panose="020B0604020202020204" pitchFamily="34" charset="0"/>
+              </a:rPr>
+              <a:t> Юлия Сергеевна</a:t>
+            </a:r>
+            <a:endParaRPr lang="ru-RU" sz="1600" dirty="0">
+              <a:solidFill>
+                <a:schemeClr val="bg1"/>
+              </a:solidFill>
+              <a:latin typeface="Bahnschrift Condensed" panose="020B0502040204020203" pitchFamily="34" charset="0"/>
+              <a:cs typeface="Arial" panose="020B0604020202020204" pitchFamily="34" charset="0"/>
+            </a:endParaRPr>
+          </a:p>
+        </p:txBody>
+      </p:sp>
+      <p:sp>
+        <p:nvSpPr>
+          <p:cNvPr id="6" name="Подзаголовок 2"/>
+          <p:cNvSpPr txBox="1">
+            <a:spLocks/>
+          </p:cNvSpPr>
+          <p:nvPr/>
+        </p:nvSpPr>
+        <p:spPr>
+          <a:xfrm>
+            <a:off x="5283993" y="6469063"/>
+            <a:ext cx="1624013" cy="388937"/>
+          </a:xfrm>
+          <a:prstGeom prst="rect">
+            <a:avLst/>
+          </a:prstGeom>
+        </p:spPr>
+        <p:txBody>
+          <a:bodyPr vert="horz" lIns="91440" tIns="45720" rIns="91440" bIns="45720" rtlCol="0">
+            <a:normAutofit/>
+          </a:bodyPr>
+          <a:lstStyle>
+            <a:lvl1pPr marL="0" indent="0" algn="ctr" defTabSz="914400" rtl="0" eaLnBrk="1" latinLnBrk="0" hangingPunct="1">
+              <a:lnSpc>
+                <a:spcPct val="90000"/>
+              </a:lnSpc>
+              <a:spcBef>
+                <a:spcPts val="1000"/>
+              </a:spcBef>
+              <a:buFont typeface="Arial" panose="020B0604020202020204" pitchFamily="34" charset="0"/>
+              <a:buNone/>
+              <a:defRPr sz="2400" kern="1200">
+                <a:solidFill>
+                  <a:schemeClr val="tx1"/>
+                </a:solidFill>
+                <a:latin typeface="+mn-lt"/>
+                <a:ea typeface="+mn-ea"/>
+                <a:cs typeface="+mn-cs"/>
+              </a:defRPr>
+            </a:lvl1pPr>
+            <a:lvl2pPr marL="457200" indent="0" algn="ctr" defTabSz="914400" rtl="0" eaLnBrk="1" latinLnBrk="0" hangingPunct="1">
+              <a:lnSpc>
+                <a:spcPct val="90000"/>
+              </a:lnSpc>
+              <a:spcBef>
+                <a:spcPts val="500"/>
+              </a:spcBef>
+              <a:buFont typeface="Arial" panose="020B0604020202020204" pitchFamily="34" charset="0"/>
+              <a:buNone/>
+              <a:defRPr sz="2000" kern="1200">
+                <a:solidFill>
+                  <a:schemeClr val="tx1"/>
+                </a:solidFill>
+                <a:latin typeface="+mn-lt"/>
+                <a:ea typeface="+mn-ea"/>
+                <a:cs typeface="+mn-cs"/>
+              </a:defRPr>
+            </a:lvl2pPr>
+            <a:lvl3pPr marL="914400" indent="0" algn="ctr" defTabSz="914400" rtl="0" eaLnBrk="1" latinLnBrk="0" hangingPunct="1">
+              <a:lnSpc>
+                <a:spcPct val="90000"/>
+              </a:lnSpc>
+              <a:spcBef>
+                <a:spcPts val="500"/>
+              </a:spcBef>
+              <a:buFont typeface="Arial" panose="020B0604020202020204" pitchFamily="34" charset="0"/>
+              <a:buNone/>
+              <a:defRPr sz="1800" kern="1200">
+                <a:solidFill>
+                  <a:schemeClr val="tx1"/>
+                </a:solidFill>
+                <a:latin typeface="+mn-lt"/>
+                <a:ea typeface="+mn-ea"/>
+                <a:cs typeface="+mn-cs"/>
+              </a:defRPr>
+            </a:lvl3pPr>
+            <a:lvl4pPr marL="1371600" indent="0" algn="ctr" defTabSz="914400" rtl="0" eaLnBrk="1" latinLnBrk="0" hangingPunct="1">
+              <a:lnSpc>
+                <a:spcPct val="90000"/>
+              </a:lnSpc>
+              <a:spcBef>
+                <a:spcPts val="500"/>
+              </a:spcBef>
+              <a:buFont typeface="Arial" panose="020B0604020202020204" pitchFamily="34" charset="0"/>
+              <a:buNone/>
+              <a:defRPr sz="1600" kern="1200">
+                <a:solidFill>
+                  <a:schemeClr val="tx1"/>
+                </a:solidFill>
+                <a:latin typeface="+mn-lt"/>
+                <a:ea typeface="+mn-ea"/>
+                <a:cs typeface="+mn-cs"/>
+              </a:defRPr>
+            </a:lvl4pPr>
+            <a:lvl5pPr marL="1828800" indent="0" algn="ctr" defTabSz="914400" rtl="0" eaLnBrk="1" latinLnBrk="0" hangingPunct="1">
+              <a:lnSpc>
+                <a:spcPct val="90000"/>
+              </a:lnSpc>
+              <a:spcBef>
+                <a:spcPts val="500"/>
+              </a:spcBef>
+              <a:buFont typeface="Arial" panose="020B0604020202020204" pitchFamily="34" charset="0"/>
+              <a:buNone/>
+              <a:defRPr sz="1600" kern="1200">
+                <a:solidFill>
+                  <a:schemeClr val="tx1"/>
+                </a:solidFill>
+                <a:latin typeface="+mn-lt"/>
+                <a:ea typeface="+mn-ea"/>
+                <a:cs typeface="+mn-cs"/>
+              </a:defRPr>
+            </a:lvl5pPr>
+            <a:lvl6pPr marL="2286000" indent="0" algn="ctr" defTabSz="914400" rtl="0" eaLnBrk="1" latinLnBrk="0" hangingPunct="1">
+              <a:lnSpc>
+                <a:spcPct val="90000"/>
+              </a:lnSpc>
+              <a:spcBef>
+                <a:spcPts val="500"/>
+              </a:spcBef>
+              <a:buFont typeface="Arial" panose="020B0604020202020204" pitchFamily="34" charset="0"/>
+              <a:buNone/>
+              <a:defRPr sz="1600" kern="1200">
+                <a:solidFill>
+                  <a:schemeClr val="tx1"/>
+                </a:solidFill>
+                <a:latin typeface="+mn-lt"/>
+                <a:ea typeface="+mn-ea"/>
+                <a:cs typeface="+mn-cs"/>
+              </a:defRPr>
+            </a:lvl6pPr>
+            <a:lvl7pPr marL="2743200" indent="0" algn="ctr" defTabSz="914400" rtl="0" eaLnBrk="1" latinLnBrk="0" hangingPunct="1">
+              <a:lnSpc>
+                <a:spcPct val="90000"/>
+              </a:lnSpc>
+              <a:spcBef>
+                <a:spcPts val="500"/>
+              </a:spcBef>
+              <a:buFont typeface="Arial" panose="020B0604020202020204" pitchFamily="34" charset="0"/>
+              <a:buNone/>
+              <a:defRPr sz="1600" kern="1200">
+                <a:solidFill>
+                  <a:schemeClr val="tx1"/>
+                </a:solidFill>
+                <a:latin typeface="+mn-lt"/>
+                <a:ea typeface="+mn-ea"/>
+                <a:cs typeface="+mn-cs"/>
+              </a:defRPr>
+            </a:lvl7pPr>
+            <a:lvl8pPr marL="3200400" indent="0" algn="ctr" defTabSz="914400" rtl="0" eaLnBrk="1" latinLnBrk="0" hangingPunct="1">
+              <a:lnSpc>
+                <a:spcPct val="90000"/>
+              </a:lnSpc>
+              <a:spcBef>
+                <a:spcPts val="500"/>
+              </a:spcBef>
+              <a:buFont typeface="Arial" panose="020B0604020202020204" pitchFamily="34" charset="0"/>
+              <a:buNone/>
+              <a:defRPr sz="1600" kern="1200">
+                <a:solidFill>
+                  <a:schemeClr val="tx1"/>
+                </a:solidFill>
+                <a:latin typeface="+mn-lt"/>
+                <a:ea typeface="+mn-ea"/>
+                <a:cs typeface="+mn-cs"/>
+              </a:defRPr>
+            </a:lvl8pPr>
+            <a:lvl9pPr marL="3657600" indent="0" algn="ctr" defTabSz="914400" rtl="0" eaLnBrk="1" latinLnBrk="0" hangingPunct="1">
+              <a:lnSpc>
+                <a:spcPct val="90000"/>
+              </a:lnSpc>
+              <a:spcBef>
+                <a:spcPts val="500"/>
+              </a:spcBef>
+              <a:buFont typeface="Arial" panose="020B0604020202020204" pitchFamily="34" charset="0"/>
+              <a:buNone/>
+              <a:defRPr sz="1600" kern="1200">
+                <a:solidFill>
+                  <a:schemeClr val="tx1"/>
+                </a:solidFill>
+                <a:latin typeface="+mn-lt"/>
+                <a:ea typeface="+mn-ea"/>
+                <a:cs typeface="+mn-cs"/>
+              </a:defRPr>
+            </a:lvl9pPr>
+          </a:lstStyle>
+          <a:p>
+            <a:r>
+              <a:rPr lang="ru-RU" sz="1800" dirty="0" smtClean="0">
+                <a:solidFill>
+                  <a:schemeClr val="bg1"/>
+                </a:solidFill>
+                <a:latin typeface="Bahnschrift Condensed" panose="020B0502040204020203" pitchFamily="34" charset="0"/>
+                <a:cs typeface="Arial" panose="020B0604020202020204" pitchFamily="34" charset="0"/>
+              </a:rPr>
+              <a:t>Архангельск, 2025</a:t>
+            </a:r>
+            <a:endParaRPr lang="ru-RU" sz="1800" dirty="0">
+              <a:solidFill>
+                <a:schemeClr val="bg1"/>
+              </a:solidFill>
+              <a:latin typeface="Bahnschrift Condensed" panose="020B0502040204020203" pitchFamily="34" charset="0"/>
+              <a:cs typeface="Arial" panose="020B0604020202020204" pitchFamily="34" charset="0"/>
+            </a:endParaRPr>
+          </a:p>
+        </p:txBody>
+      </p:sp>
+      <p:sp>
+        <p:nvSpPr>
+          <p:cNvPr id="7" name="Подзаголовок 2"/>
+          <p:cNvSpPr txBox="1">
+            <a:spLocks/>
+          </p:cNvSpPr>
+          <p:nvPr/>
+        </p:nvSpPr>
+        <p:spPr>
+          <a:xfrm>
+            <a:off x="-1" y="1999060"/>
+            <a:ext cx="5314951" cy="1067990"/>
+          </a:xfrm>
+          <a:prstGeom prst="rect">
+            <a:avLst/>
+          </a:prstGeom>
+        </p:spPr>
+        <p:txBody>
+          <a:bodyPr vert="horz" lIns="91440" tIns="45720" rIns="91440" bIns="45720" rtlCol="0">
+            <a:noAutofit/>
+          </a:bodyPr>
+          <a:lstStyle>
+            <a:lvl1pPr marL="0" indent="0" algn="ctr" defTabSz="914400" rtl="0" eaLnBrk="1" latinLnBrk="0" hangingPunct="1">
+              <a:lnSpc>
+                <a:spcPct val="90000"/>
+              </a:lnSpc>
+              <a:spcBef>
+                <a:spcPts val="1000"/>
+              </a:spcBef>
+              <a:buFont typeface="Arial" panose="020B0604020202020204" pitchFamily="34" charset="0"/>
+              <a:buNone/>
+              <a:defRPr sz="2400" kern="1200">
+                <a:solidFill>
+                  <a:schemeClr val="tx1"/>
+                </a:solidFill>
+                <a:latin typeface="+mn-lt"/>
+                <a:ea typeface="+mn-ea"/>
+                <a:cs typeface="+mn-cs"/>
+              </a:defRPr>
+            </a:lvl1pPr>
+            <a:lvl2pPr marL="457200" indent="0" algn="ctr" defTabSz="914400" rtl="0" eaLnBrk="1" latinLnBrk="0" hangingPunct="1">
+              <a:lnSpc>
+                <a:spcPct val="90000"/>
+              </a:lnSpc>
+              <a:spcBef>
+                <a:spcPts val="500"/>
+              </a:spcBef>
+              <a:buFont typeface="Arial" panose="020B0604020202020204" pitchFamily="34" charset="0"/>
+              <a:buNone/>
+              <a:defRPr sz="2000" kern="1200">
+                <a:solidFill>
+                  <a:schemeClr val="tx1"/>
+                </a:solidFill>
+                <a:latin typeface="+mn-lt"/>
+                <a:ea typeface="+mn-ea"/>
+                <a:cs typeface="+mn-cs"/>
+              </a:defRPr>
+            </a:lvl2pPr>
+            <a:lvl3pPr marL="914400" indent="0" algn="ctr" defTabSz="914400" rtl="0" eaLnBrk="1" latinLnBrk="0" hangingPunct="1">
+              <a:lnSpc>
+                <a:spcPct val="90000"/>
+              </a:lnSpc>
+              <a:spcBef>
+                <a:spcPts val="500"/>
+              </a:spcBef>
+              <a:buFont typeface="Arial" panose="020B0604020202020204" pitchFamily="34" charset="0"/>
+              <a:buNone/>
+              <a:defRPr sz="1800" kern="1200">
+                <a:solidFill>
+                  <a:schemeClr val="tx1"/>
+                </a:solidFill>
+                <a:latin typeface="+mn-lt"/>
+                <a:ea typeface="+mn-ea"/>
+                <a:cs typeface="+mn-cs"/>
+              </a:defRPr>
+            </a:lvl3pPr>
+            <a:lvl4pPr marL="1371600" indent="0" algn="ctr" defTabSz="914400" rtl="0" eaLnBrk="1" latinLnBrk="0" hangingPunct="1">
+              <a:lnSpc>
+                <a:spcPct val="90000"/>
+              </a:lnSpc>
+              <a:spcBef>
+                <a:spcPts val="500"/>
+              </a:spcBef>
+              <a:buFont typeface="Arial" panose="020B0604020202020204" pitchFamily="34" charset="0"/>
+              <a:buNone/>
+              <a:defRPr sz="1600" kern="1200">
+                <a:solidFill>
+                  <a:schemeClr val="tx1"/>
+                </a:solidFill>
+                <a:latin typeface="+mn-lt"/>
+                <a:ea typeface="+mn-ea"/>
+                <a:cs typeface="+mn-cs"/>
+              </a:defRPr>
+            </a:lvl4pPr>
+            <a:lvl5pPr marL="1828800" indent="0" algn="ctr" defTabSz="914400" rtl="0" eaLnBrk="1" latinLnBrk="0" hangingPunct="1">
+              <a:lnSpc>
+                <a:spcPct val="90000"/>
+              </a:lnSpc>
+              <a:spcBef>
+                <a:spcPts val="500"/>
+              </a:spcBef>
+              <a:buFont typeface="Arial" panose="020B0604020202020204" pitchFamily="34" charset="0"/>
+              <a:buNone/>
+              <a:defRPr sz="1600" kern="1200">
+                <a:solidFill>
+                  <a:schemeClr val="tx1"/>
+                </a:solidFill>
+                <a:latin typeface="+mn-lt"/>
+                <a:ea typeface="+mn-ea"/>
+                <a:cs typeface="+mn-cs"/>
+              </a:defRPr>
+            </a:lvl5pPr>
+            <a:lvl6pPr marL="2286000" indent="0" algn="ctr" defTabSz="914400" rtl="0" eaLnBrk="1" latinLnBrk="0" hangingPunct="1">
+              <a:lnSpc>
+                <a:spcPct val="90000"/>
+              </a:lnSpc>
+              <a:spcBef>
+                <a:spcPts val="500"/>
+              </a:spcBef>
+              <a:buFont typeface="Arial" panose="020B0604020202020204" pitchFamily="34" charset="0"/>
+              <a:buNone/>
+              <a:defRPr sz="1600" kern="1200">
+                <a:solidFill>
+                  <a:schemeClr val="tx1"/>
+                </a:solidFill>
+                <a:latin typeface="+mn-lt"/>
+                <a:ea typeface="+mn-ea"/>
+                <a:cs typeface="+mn-cs"/>
+              </a:defRPr>
+            </a:lvl6pPr>
+            <a:lvl7pPr marL="2743200" indent="0" algn="ctr" defTabSz="914400" rtl="0" eaLnBrk="1" latinLnBrk="0" hangingPunct="1">
+              <a:lnSpc>
+                <a:spcPct val="90000"/>
+              </a:lnSpc>
+              <a:spcBef>
+                <a:spcPts val="500"/>
+              </a:spcBef>
+              <a:buFont typeface="Arial" panose="020B0604020202020204" pitchFamily="34" charset="0"/>
+              <a:buNone/>
+              <a:defRPr sz="1600" kern="1200">
+                <a:solidFill>
+                  <a:schemeClr val="tx1"/>
+                </a:solidFill>
+                <a:latin typeface="+mn-lt"/>
+                <a:ea typeface="+mn-ea"/>
+                <a:cs typeface="+mn-cs"/>
+              </a:defRPr>
+            </a:lvl7pPr>
+            <a:lvl8pPr marL="3200400" indent="0" algn="ctr" defTabSz="914400" rtl="0" eaLnBrk="1" latinLnBrk="0" hangingPunct="1">
+              <a:lnSpc>
+                <a:spcPct val="90000"/>
+              </a:lnSpc>
+              <a:spcBef>
+                <a:spcPts val="500"/>
+              </a:spcBef>
+              <a:buFont typeface="Arial" panose="020B0604020202020204" pitchFamily="34" charset="0"/>
+              <a:buNone/>
+              <a:defRPr sz="1600" kern="1200">
+                <a:solidFill>
+                  <a:schemeClr val="tx1"/>
+                </a:solidFill>
+                <a:latin typeface="+mn-lt"/>
+                <a:ea typeface="+mn-ea"/>
+                <a:cs typeface="+mn-cs"/>
+              </a:defRPr>
+            </a:lvl8pPr>
+            <a:lvl9pPr marL="3657600" indent="0" algn="ctr" defTabSz="914400" rtl="0" eaLnBrk="1" latinLnBrk="0" hangingPunct="1">
+              <a:lnSpc>
+                <a:spcPct val="90000"/>
+              </a:lnSpc>
+              <a:spcBef>
+                <a:spcPts val="500"/>
+              </a:spcBef>
+              <a:buFont typeface="Arial" panose="020B0604020202020204" pitchFamily="34" charset="0"/>
+              <a:buNone/>
+              <a:defRPr sz="1600" kern="1200">
+                <a:solidFill>
+                  <a:schemeClr val="tx1"/>
+                </a:solidFill>
+                <a:latin typeface="+mn-lt"/>
+                <a:ea typeface="+mn-ea"/>
+                <a:cs typeface="+mn-cs"/>
+              </a:defRPr>
+            </a:lvl9pPr>
+          </a:lstStyle>
+          <a:p>
+            <a:r>
+              <a:rPr lang="ru-RU" sz="6600" b="1" dirty="0">
+                <a:solidFill>
+                  <a:schemeClr val="bg1"/>
+                </a:solidFill>
+                <a:latin typeface="Bahnschrift Condensed" panose="020B0502040204020203" pitchFamily="34" charset="0"/>
+                <a:cs typeface="Arial" panose="020B0604020202020204" pitchFamily="34" charset="0"/>
+              </a:rPr>
+              <a:t>Курсовой проект </a:t>
+            </a:r>
+            <a:endParaRPr lang="en-US" sz="6600" b="1" dirty="0">
+              <a:solidFill>
+                <a:schemeClr val="bg1"/>
+              </a:solidFill>
+              <a:latin typeface="Bahnschrift Condensed" panose="020B0502040204020203" pitchFamily="34" charset="0"/>
+              <a:cs typeface="Arial" panose="020B0604020202020204" pitchFamily="34" charset="0"/>
+            </a:endParaRPr>
+          </a:p>
+        </p:txBody>
+      </p:sp>
+      <p:pic>
+        <p:nvPicPr>
+          <p:cNvPr id="16" name="Рисунок 15"/>
+          <p:cNvPicPr>
+            <a:picLocks noChangeAspect="1"/>
+          </p:cNvPicPr>
+          <p:nvPr/>
+        </p:nvPicPr>
+        <p:blipFill>
+          <a:blip r:embed="rId2"/>
+          <a:stretch>
+            <a:fillRect/>
+          </a:stretch>
+        </p:blipFill>
+        <p:spPr>
+          <a:xfrm>
+            <a:off x="10376451" y="4899658"/>
+            <a:ext cx="1486937" cy="1811497"/>
+          </a:xfrm>
+          <a:prstGeom prst="rect">
+            <a:avLst/>
+          </a:prstGeom>
+        </p:spPr>
+      </p:pic>
+    </p:spTree>
+    <p:extLst>
+      <p:ext uri="{BB962C8B-B14F-4D97-AF65-F5344CB8AC3E}">
+        <p14:creationId xmlns:p14="http://schemas.microsoft.com/office/powerpoint/2010/main" val="2717630166"/>
+      </p:ext>
+    </p:extLst>
+  </p:cSld>
+  <p:clrMapOvr>
+    <a:masterClrMapping/>
+  </p:clrMapOvr>
+  <p:timing>
+    <p:tnLst>
+      <p:par>
+        <p:cTn id="1" dur="indefinite" restart="never" nodeType="tmRoot"/>
+      </p:par>
+    </p:tnLst>
+  </p:timing>
+</p:sld>
+</file>
+
+<file path=ppt/slides/slide2.xml><?xml version="1.0" encoding="utf-8"?>
+<p:sld xmlns:a="http://schemas.openxmlformats.org/drawingml/2006/main" xmlns:r="http://schemas.openxmlformats.org/officeDocument/2006/relationships" xmlns:p="http://schemas.openxmlformats.org/presentationml/2006/main">
+  <p:cSld>
+    <p:bg>
+      <p:bgPr>
+        <a:solidFill>
+          <a:srgbClr val="0032A0"/>
+        </a:solidFill>
+        <a:effectLst/>
+      </p:bgPr>
+    </p:bg>
+    <p:spTree>
+      <p:nvGrpSpPr>
+        <p:cNvPr id="1" name=""/>
+        <p:cNvGrpSpPr/>
+        <p:nvPr/>
+      </p:nvGrpSpPr>
+      <p:grpSpPr>
+        <a:xfrm>
+          <a:off x="0" y="0"/>
+          <a:ext cx="0" cy="0"/>
+          <a:chOff x="0" y="0"/>
+          <a:chExt cx="0" cy="0"/>
+        </a:xfrm>
+      </p:grpSpPr>
+      <p:sp>
+        <p:nvSpPr>
+          <p:cNvPr id="7" name="Подзаголовок 2"/>
+          <p:cNvSpPr txBox="1">
+            <a:spLocks/>
+          </p:cNvSpPr>
+          <p:nvPr/>
+        </p:nvSpPr>
+        <p:spPr>
+          <a:xfrm>
+            <a:off x="4071418" y="0"/>
+            <a:ext cx="4049161" cy="1067990"/>
+          </a:xfrm>
+          <a:prstGeom prst="rect">
+            <a:avLst/>
+          </a:prstGeom>
+        </p:spPr>
+        <p:txBody>
+          <a:bodyPr vert="horz" lIns="91440" tIns="45720" rIns="91440" bIns="45720" rtlCol="0">
+            <a:noAutofit/>
+          </a:bodyPr>
+          <a:lstStyle>
+            <a:lvl1pPr marL="0" indent="0" algn="ctr" defTabSz="914400" rtl="0" eaLnBrk="1" latinLnBrk="0" hangingPunct="1">
+              <a:lnSpc>
+                <a:spcPct val="90000"/>
+              </a:lnSpc>
+              <a:spcBef>
+                <a:spcPts val="1000"/>
+              </a:spcBef>
+              <a:buFont typeface="Arial" panose="020B0604020202020204" pitchFamily="34" charset="0"/>
+              <a:buNone/>
+              <a:defRPr sz="2400" kern="1200">
+                <a:solidFill>
+                  <a:schemeClr val="tx1"/>
+                </a:solidFill>
+                <a:latin typeface="+mn-lt"/>
+                <a:ea typeface="+mn-ea"/>
+                <a:cs typeface="+mn-cs"/>
+              </a:defRPr>
+            </a:lvl1pPr>
+            <a:lvl2pPr marL="457200" indent="0" algn="ctr" defTabSz="914400" rtl="0" eaLnBrk="1" latinLnBrk="0" hangingPunct="1">
+              <a:lnSpc>
+                <a:spcPct val="90000"/>
+              </a:lnSpc>
+              <a:spcBef>
+                <a:spcPts val="500"/>
+              </a:spcBef>
+              <a:buFont typeface="Arial" panose="020B0604020202020204" pitchFamily="34" charset="0"/>
+              <a:buNone/>
+              <a:defRPr sz="2000" kern="1200">
+                <a:solidFill>
+                  <a:schemeClr val="tx1"/>
+                </a:solidFill>
+                <a:latin typeface="+mn-lt"/>
+                <a:ea typeface="+mn-ea"/>
+                <a:cs typeface="+mn-cs"/>
+              </a:defRPr>
+            </a:lvl2pPr>
+            <a:lvl3pPr marL="914400" indent="0" algn="ctr" defTabSz="914400" rtl="0" eaLnBrk="1" latinLnBrk="0" hangingPunct="1">
+              <a:lnSpc>
+                <a:spcPct val="90000"/>
+              </a:lnSpc>
+              <a:spcBef>
+                <a:spcPts val="500"/>
+              </a:spcBef>
+              <a:buFont typeface="Arial" panose="020B0604020202020204" pitchFamily="34" charset="0"/>
+              <a:buNone/>
+              <a:defRPr sz="1800" kern="1200">
+                <a:solidFill>
+                  <a:schemeClr val="tx1"/>
+                </a:solidFill>
+                <a:latin typeface="+mn-lt"/>
+                <a:ea typeface="+mn-ea"/>
+                <a:cs typeface="+mn-cs"/>
+              </a:defRPr>
+            </a:lvl3pPr>
+            <a:lvl4pPr marL="1371600" indent="0" algn="ctr" defTabSz="914400" rtl="0" eaLnBrk="1" latinLnBrk="0" hangingPunct="1">
+              <a:lnSpc>
+                <a:spcPct val="90000"/>
+              </a:lnSpc>
+              <a:spcBef>
+                <a:spcPts val="500"/>
+              </a:spcBef>
+              <a:buFont typeface="Arial" panose="020B0604020202020204" pitchFamily="34" charset="0"/>
+              <a:buNone/>
+              <a:defRPr sz="1600" kern="1200">
+                <a:solidFill>
+                  <a:schemeClr val="tx1"/>
+                </a:solidFill>
+                <a:latin typeface="+mn-lt"/>
+                <a:ea typeface="+mn-ea"/>
+                <a:cs typeface="+mn-cs"/>
+              </a:defRPr>
+            </a:lvl4pPr>
+            <a:lvl5pPr marL="1828800" indent="0" algn="ctr" defTabSz="914400" rtl="0" eaLnBrk="1" latinLnBrk="0" hangingPunct="1">
+              <a:lnSpc>
+                <a:spcPct val="90000"/>
+              </a:lnSpc>
+              <a:spcBef>
+                <a:spcPts val="500"/>
+              </a:spcBef>
+              <a:buFont typeface="Arial" panose="020B0604020202020204" pitchFamily="34" charset="0"/>
+              <a:buNone/>
+              <a:defRPr sz="1600" kern="1200">
+                <a:solidFill>
+                  <a:schemeClr val="tx1"/>
+                </a:solidFill>
+                <a:latin typeface="+mn-lt"/>
+                <a:ea typeface="+mn-ea"/>
+                <a:cs typeface="+mn-cs"/>
+              </a:defRPr>
+            </a:lvl5pPr>
+            <a:lvl6pPr marL="2286000" indent="0" algn="ctr" defTabSz="914400" rtl="0" eaLnBrk="1" latinLnBrk="0" hangingPunct="1">
+              <a:lnSpc>
+                <a:spcPct val="90000"/>
+              </a:lnSpc>
+              <a:spcBef>
+                <a:spcPts val="500"/>
+              </a:spcBef>
+              <a:buFont typeface="Arial" panose="020B0604020202020204" pitchFamily="34" charset="0"/>
+              <a:buNone/>
+              <a:defRPr sz="1600" kern="1200">
+                <a:solidFill>
+                  <a:schemeClr val="tx1"/>
+                </a:solidFill>
+                <a:latin typeface="+mn-lt"/>
+                <a:ea typeface="+mn-ea"/>
+                <a:cs typeface="+mn-cs"/>
+              </a:defRPr>
+            </a:lvl6pPr>
+            <a:lvl7pPr marL="2743200" indent="0" algn="ctr" defTabSz="914400" rtl="0" eaLnBrk="1" latinLnBrk="0" hangingPunct="1">
+              <a:lnSpc>
+                <a:spcPct val="90000"/>
+              </a:lnSpc>
+              <a:spcBef>
+                <a:spcPts val="500"/>
+              </a:spcBef>
+              <a:buFont typeface="Arial" panose="020B0604020202020204" pitchFamily="34" charset="0"/>
+              <a:buNone/>
+              <a:defRPr sz="1600" kern="1200">
+                <a:solidFill>
+                  <a:schemeClr val="tx1"/>
+                </a:solidFill>
+                <a:latin typeface="+mn-lt"/>
+                <a:ea typeface="+mn-ea"/>
+                <a:cs typeface="+mn-cs"/>
+              </a:defRPr>
+            </a:lvl7pPr>
+            <a:lvl8pPr marL="3200400" indent="0" algn="ctr" defTabSz="914400" rtl="0" eaLnBrk="1" latinLnBrk="0" hangingPunct="1">
+              <a:lnSpc>
+                <a:spcPct val="90000"/>
+              </a:lnSpc>
+              <a:spcBef>
+                <a:spcPts val="500"/>
+              </a:spcBef>
+              <a:buFont typeface="Arial" panose="020B0604020202020204" pitchFamily="34" charset="0"/>
+              <a:buNone/>
+              <a:defRPr sz="1600" kern="1200">
+                <a:solidFill>
+                  <a:schemeClr val="tx1"/>
+                </a:solidFill>
+                <a:latin typeface="+mn-lt"/>
+                <a:ea typeface="+mn-ea"/>
+                <a:cs typeface="+mn-cs"/>
+              </a:defRPr>
+            </a:lvl8pPr>
+            <a:lvl9pPr marL="3657600" indent="0" algn="ctr" defTabSz="914400" rtl="0" eaLnBrk="1" latinLnBrk="0" hangingPunct="1">
+              <a:lnSpc>
+                <a:spcPct val="90000"/>
+              </a:lnSpc>
+              <a:spcBef>
+                <a:spcPts val="500"/>
+              </a:spcBef>
+              <a:buFont typeface="Arial" panose="020B0604020202020204" pitchFamily="34" charset="0"/>
+              <a:buNone/>
+              <a:defRPr sz="1600" kern="1200">
+                <a:solidFill>
+                  <a:schemeClr val="tx1"/>
+                </a:solidFill>
+                <a:latin typeface="+mn-lt"/>
+                <a:ea typeface="+mn-ea"/>
+                <a:cs typeface="+mn-cs"/>
+              </a:defRPr>
+            </a:lvl9pPr>
+          </a:lstStyle>
+          <a:p>
+            <a:r>
+              <a:rPr lang="ru-RU" sz="6600" b="1" dirty="0" smtClean="0">
+                <a:solidFill>
+                  <a:schemeClr val="bg1"/>
+                </a:solidFill>
+                <a:latin typeface="Bahnschrift Condensed" panose="020B0502040204020203" pitchFamily="34" charset="0"/>
+                <a:cs typeface="Arial" panose="020B0604020202020204" pitchFamily="34" charset="0"/>
+              </a:rPr>
+              <a:t>Актуальность</a:t>
+            </a:r>
+            <a:endParaRPr lang="en-US" sz="6600" b="1" dirty="0">
+              <a:solidFill>
+                <a:schemeClr val="bg1"/>
+              </a:solidFill>
+              <a:latin typeface="Bahnschrift Condensed" panose="020B0502040204020203" pitchFamily="34" charset="0"/>
+              <a:cs typeface="Arial" panose="020B0604020202020204" pitchFamily="34" charset="0"/>
+            </a:endParaRPr>
+          </a:p>
+        </p:txBody>
+      </p:sp>
+      <p:pic>
+        <p:nvPicPr>
+          <p:cNvPr id="16" name="Рисунок 15"/>
+          <p:cNvPicPr>
+            <a:picLocks noChangeAspect="1"/>
+          </p:cNvPicPr>
+          <p:nvPr/>
+        </p:nvPicPr>
+        <p:blipFill>
+          <a:blip r:embed="rId2"/>
+          <a:stretch>
+            <a:fillRect/>
+          </a:stretch>
+        </p:blipFill>
+        <p:spPr>
+          <a:xfrm>
+            <a:off x="10376451" y="4899658"/>
+            <a:ext cx="1486937" cy="1811497"/>
+          </a:xfrm>
+          <a:prstGeom prst="rect">
+            <a:avLst/>
+          </a:prstGeom>
+        </p:spPr>
+      </p:pic>
+    </p:spTree>
+    <p:extLst>
+      <p:ext uri="{BB962C8B-B14F-4D97-AF65-F5344CB8AC3E}">
+        <p14:creationId xmlns:p14="http://schemas.microsoft.com/office/powerpoint/2010/main" val="2294688308"/>
+      </p:ext>
+    </p:extLst>
+  </p:cSld>
+  <p:clrMapOvr>
+    <a:masterClrMapping/>
+  </p:clrMapOvr>
+  <p:timing>
+    <p:tnLst>
+      <p:par>
+        <p:cTn id="1" dur="indefinite" restart="never" nodeType="tmRoot"/>
+      </p:par>
+    </p:tnLst>
+  </p:timing>
+</p:sld>
+</file>
+
+<file path=ppt/slides/slide3.xml><?xml version="1.0" encoding="utf-8"?>
+<p:sld xmlns:a="http://schemas.openxmlformats.org/drawingml/2006/main" xmlns:r="http://schemas.openxmlformats.org/officeDocument/2006/relationships" xmlns:p="http://schemas.openxmlformats.org/presentationml/2006/main">
+  <p:cSld>
+    <p:bg>
+      <p:bgPr>
+        <a:solidFill>
+          <a:srgbClr val="0032A0"/>
+        </a:solidFill>
+        <a:effectLst/>
+      </p:bgPr>
+    </p:bg>
+    <p:spTree>
+      <p:nvGrpSpPr>
+        <p:cNvPr id="1" name=""/>
+        <p:cNvGrpSpPr/>
+        <p:nvPr/>
+      </p:nvGrpSpPr>
+      <p:grpSpPr>
+        <a:xfrm>
+          <a:off x="0" y="0"/>
+          <a:ext cx="0" cy="0"/>
+          <a:chOff x="0" y="0"/>
+          <a:chExt cx="0" cy="0"/>
+        </a:xfrm>
+      </p:grpSpPr>
+      <p:pic>
+        <p:nvPicPr>
+          <p:cNvPr id="16" name="Рисунок 15"/>
+          <p:cNvPicPr>
+            <a:picLocks noChangeAspect="1"/>
+          </p:cNvPicPr>
+          <p:nvPr/>
+        </p:nvPicPr>
+        <p:blipFill>
+          <a:blip r:embed="rId2"/>
+          <a:stretch>
+            <a:fillRect/>
+          </a:stretch>
+        </p:blipFill>
+        <p:spPr>
+          <a:xfrm>
+            <a:off x="10376451" y="4899658"/>
+            <a:ext cx="1486937" cy="1811497"/>
+          </a:xfrm>
+          <a:prstGeom prst="rect">
+            <a:avLst/>
+          </a:prstGeom>
+        </p:spPr>
+      </p:pic>
+      <p:sp>
+        <p:nvSpPr>
+          <p:cNvPr id="4" name="Подзаголовок 2"/>
+          <p:cNvSpPr txBox="1">
+            <a:spLocks/>
+          </p:cNvSpPr>
+          <p:nvPr/>
+        </p:nvSpPr>
+        <p:spPr>
+          <a:xfrm>
+            <a:off x="3200400" y="0"/>
+            <a:ext cx="5791198" cy="1067990"/>
+          </a:xfrm>
+          <a:prstGeom prst="rect">
+            <a:avLst/>
+          </a:prstGeom>
+        </p:spPr>
+        <p:txBody>
+          <a:bodyPr vert="horz" lIns="91440" tIns="45720" rIns="91440" bIns="45720" rtlCol="0">
+            <a:noAutofit/>
+          </a:bodyPr>
+          <a:lstStyle>
+            <a:lvl1pPr marL="0" indent="0" algn="ctr" defTabSz="914400" rtl="0" eaLnBrk="1" latinLnBrk="0" hangingPunct="1">
+              <a:lnSpc>
+                <a:spcPct val="90000"/>
+              </a:lnSpc>
+              <a:spcBef>
+                <a:spcPts val="1000"/>
+              </a:spcBef>
+              <a:buFont typeface="Arial" panose="020B0604020202020204" pitchFamily="34" charset="0"/>
+              <a:buNone/>
+              <a:defRPr sz="2400" kern="1200">
+                <a:solidFill>
+                  <a:schemeClr val="tx1"/>
+                </a:solidFill>
+                <a:latin typeface="+mn-lt"/>
+                <a:ea typeface="+mn-ea"/>
+                <a:cs typeface="+mn-cs"/>
+              </a:defRPr>
+            </a:lvl1pPr>
+            <a:lvl2pPr marL="457200" indent="0" algn="ctr" defTabSz="914400" rtl="0" eaLnBrk="1" latinLnBrk="0" hangingPunct="1">
+              <a:lnSpc>
+                <a:spcPct val="90000"/>
+              </a:lnSpc>
+              <a:spcBef>
+                <a:spcPts val="500"/>
+              </a:spcBef>
+              <a:buFont typeface="Arial" panose="020B0604020202020204" pitchFamily="34" charset="0"/>
+              <a:buNone/>
+              <a:defRPr sz="2000" kern="1200">
+                <a:solidFill>
+                  <a:schemeClr val="tx1"/>
+                </a:solidFill>
+                <a:latin typeface="+mn-lt"/>
+                <a:ea typeface="+mn-ea"/>
+                <a:cs typeface="+mn-cs"/>
+              </a:defRPr>
+            </a:lvl2pPr>
+            <a:lvl3pPr marL="914400" indent="0" algn="ctr" defTabSz="914400" rtl="0" eaLnBrk="1" latinLnBrk="0" hangingPunct="1">
+              <a:lnSpc>
+                <a:spcPct val="90000"/>
+              </a:lnSpc>
+              <a:spcBef>
+                <a:spcPts val="500"/>
+              </a:spcBef>
+              <a:buFont typeface="Arial" panose="020B0604020202020204" pitchFamily="34" charset="0"/>
+              <a:buNone/>
+              <a:defRPr sz="1800" kern="1200">
+                <a:solidFill>
+                  <a:schemeClr val="tx1"/>
+                </a:solidFill>
+                <a:latin typeface="+mn-lt"/>
+                <a:ea typeface="+mn-ea"/>
+                <a:cs typeface="+mn-cs"/>
+              </a:defRPr>
+            </a:lvl3pPr>
+            <a:lvl4pPr marL="1371600" indent="0" algn="ctr" defTabSz="914400" rtl="0" eaLnBrk="1" latinLnBrk="0" hangingPunct="1">
+              <a:lnSpc>
+                <a:spcPct val="90000"/>
+              </a:lnSpc>
+              <a:spcBef>
+                <a:spcPts val="500"/>
+              </a:spcBef>
+              <a:buFont typeface="Arial" panose="020B0604020202020204" pitchFamily="34" charset="0"/>
+              <a:buNone/>
+              <a:defRPr sz="1600" kern="1200">
+                <a:solidFill>
+                  <a:schemeClr val="tx1"/>
+                </a:solidFill>
+                <a:latin typeface="+mn-lt"/>
+                <a:ea typeface="+mn-ea"/>
+                <a:cs typeface="+mn-cs"/>
+              </a:defRPr>
+            </a:lvl4pPr>
+            <a:lvl5pPr marL="1828800" indent="0" algn="ctr" defTabSz="914400" rtl="0" eaLnBrk="1" latinLnBrk="0" hangingPunct="1">
+              <a:lnSpc>
+                <a:spcPct val="90000"/>
+              </a:lnSpc>
+              <a:spcBef>
+                <a:spcPts val="500"/>
+              </a:spcBef>
+              <a:buFont typeface="Arial" panose="020B0604020202020204" pitchFamily="34" charset="0"/>
+              <a:buNone/>
+              <a:defRPr sz="1600" kern="1200">
+                <a:solidFill>
+                  <a:schemeClr val="tx1"/>
+                </a:solidFill>
+                <a:latin typeface="+mn-lt"/>
+                <a:ea typeface="+mn-ea"/>
+                <a:cs typeface="+mn-cs"/>
+              </a:defRPr>
+            </a:lvl5pPr>
+            <a:lvl6pPr marL="2286000" indent="0" algn="ctr" defTabSz="914400" rtl="0" eaLnBrk="1" latinLnBrk="0" hangingPunct="1">
+              <a:lnSpc>
+                <a:spcPct val="90000"/>
+              </a:lnSpc>
+              <a:spcBef>
+                <a:spcPts val="500"/>
+              </a:spcBef>
+              <a:buFont typeface="Arial" panose="020B0604020202020204" pitchFamily="34" charset="0"/>
+              <a:buNone/>
+              <a:defRPr sz="1600" kern="1200">
+                <a:solidFill>
+                  <a:schemeClr val="tx1"/>
+                </a:solidFill>
+                <a:latin typeface="+mn-lt"/>
+                <a:ea typeface="+mn-ea"/>
+                <a:cs typeface="+mn-cs"/>
+              </a:defRPr>
+            </a:lvl6pPr>
+            <a:lvl7pPr marL="2743200" indent="0" algn="ctr" defTabSz="914400" rtl="0" eaLnBrk="1" latinLnBrk="0" hangingPunct="1">
+              <a:lnSpc>
+                <a:spcPct val="90000"/>
+              </a:lnSpc>
+              <a:spcBef>
+                <a:spcPts val="500"/>
+              </a:spcBef>
+              <a:buFont typeface="Arial" panose="020B0604020202020204" pitchFamily="34" charset="0"/>
+              <a:buNone/>
+              <a:defRPr sz="1600" kern="1200">
+                <a:solidFill>
+                  <a:schemeClr val="tx1"/>
+                </a:solidFill>
+                <a:latin typeface="+mn-lt"/>
+                <a:ea typeface="+mn-ea"/>
+                <a:cs typeface="+mn-cs"/>
+              </a:defRPr>
+            </a:lvl7pPr>
+            <a:lvl8pPr marL="3200400" indent="0" algn="ctr" defTabSz="914400" rtl="0" eaLnBrk="1" latinLnBrk="0" hangingPunct="1">
+              <a:lnSpc>
+                <a:spcPct val="90000"/>
+              </a:lnSpc>
+              <a:spcBef>
+                <a:spcPts val="500"/>
+              </a:spcBef>
+              <a:buFont typeface="Arial" panose="020B0604020202020204" pitchFamily="34" charset="0"/>
+              <a:buNone/>
+              <a:defRPr sz="1600" kern="1200">
+                <a:solidFill>
+                  <a:schemeClr val="tx1"/>
+                </a:solidFill>
+                <a:latin typeface="+mn-lt"/>
+                <a:ea typeface="+mn-ea"/>
+                <a:cs typeface="+mn-cs"/>
+              </a:defRPr>
+            </a:lvl8pPr>
+            <a:lvl9pPr marL="3657600" indent="0" algn="ctr" defTabSz="914400" rtl="0" eaLnBrk="1" latinLnBrk="0" hangingPunct="1">
+              <a:lnSpc>
+                <a:spcPct val="90000"/>
+              </a:lnSpc>
+              <a:spcBef>
+                <a:spcPts val="500"/>
+              </a:spcBef>
+              <a:buFont typeface="Arial" panose="020B0604020202020204" pitchFamily="34" charset="0"/>
+              <a:buNone/>
+              <a:defRPr sz="1600" kern="1200">
+                <a:solidFill>
+                  <a:schemeClr val="tx1"/>
+                </a:solidFill>
+                <a:latin typeface="+mn-lt"/>
+                <a:ea typeface="+mn-ea"/>
+                <a:cs typeface="+mn-cs"/>
+              </a:defRPr>
+            </a:lvl9pPr>
+          </a:lstStyle>
+          <a:p>
+            <a:r>
+              <a:rPr lang="ru-RU" sz="6600" b="1" dirty="0">
+                <a:solidFill>
+                  <a:schemeClr val="bg1"/>
+                </a:solidFill>
+                <a:latin typeface="Bahnschrift Condensed" panose="020B0502040204020203" pitchFamily="34" charset="0"/>
+                <a:cs typeface="Arial" panose="020B0604020202020204" pitchFamily="34" charset="0"/>
+              </a:rPr>
+              <a:t>Целевая </a:t>
+            </a:r>
+            <a:r>
+              <a:rPr lang="ru-RU" sz="6600" b="1" dirty="0" smtClean="0">
+                <a:solidFill>
+                  <a:schemeClr val="bg1"/>
+                </a:solidFill>
+                <a:latin typeface="Bahnschrift Condensed" panose="020B0502040204020203" pitchFamily="34" charset="0"/>
+                <a:cs typeface="Arial" panose="020B0604020202020204" pitchFamily="34" charset="0"/>
+              </a:rPr>
+              <a:t>аудитория</a:t>
+            </a:r>
+          </a:p>
+        </p:txBody>
+      </p:sp>
+    </p:spTree>
+    <p:extLst>
+      <p:ext uri="{BB962C8B-B14F-4D97-AF65-F5344CB8AC3E}">
+        <p14:creationId xmlns:p14="http://schemas.microsoft.com/office/powerpoint/2010/main" val="925491198"/>
+      </p:ext>
+    </p:extLst>
+  </p:cSld>
+  <p:clrMapOvr>
+    <a:masterClrMapping/>
+  </p:clrMapOvr>
+  <p:timing>
+    <p:tnLst>
+      <p:par>
+        <p:cTn id="1" dur="indefinite" restart="never" nodeType="tmRoot"/>
+      </p:par>
+    </p:tnLst>
+  </p:timing>
+</p:sld>
+</file>
+
+<file path=ppt/slides/slide4.xml><?xml version="1.0" encoding="utf-8"?>
+<p:sld xmlns:a="http://schemas.openxmlformats.org/drawingml/2006/main" xmlns:r="http://schemas.openxmlformats.org/officeDocument/2006/relationships" xmlns:p="http://schemas.openxmlformats.org/presentationml/2006/main">
+  <p:cSld>
+    <p:bg>
+      <p:bgPr>
+        <a:solidFill>
+          <a:srgbClr val="69B3E7"/>
+        </a:solidFill>
+        <a:effectLst/>
+      </p:bgPr>
+    </p:bg>
+    <p:spTree>
+      <p:nvGrpSpPr>
+        <p:cNvPr id="1" name=""/>
+        <p:cNvGrpSpPr/>
+        <p:nvPr/>
+      </p:nvGrpSpPr>
+      <p:grpSpPr>
+        <a:xfrm>
+          <a:off x="0" y="0"/>
+          <a:ext cx="0" cy="0"/>
+          <a:chOff x="0" y="0"/>
+          <a:chExt cx="0" cy="0"/>
+        </a:xfrm>
+      </p:grpSpPr>
+      <p:pic>
+        <p:nvPicPr>
+          <p:cNvPr id="4" name="Рисунок 3"/>
+          <p:cNvPicPr>
+            <a:picLocks noChangeAspect="1"/>
+          </p:cNvPicPr>
+          <p:nvPr/>
+        </p:nvPicPr>
+        <p:blipFill>
+          <a:blip r:embed="rId2"/>
+          <a:stretch>
+            <a:fillRect/>
+          </a:stretch>
+        </p:blipFill>
+        <p:spPr>
+          <a:xfrm>
+            <a:off x="10376451" y="4899658"/>
+            <a:ext cx="1486937" cy="1811498"/>
+          </a:xfrm>
+          <a:prstGeom prst="rect">
+            <a:avLst/>
+          </a:prstGeom>
+        </p:spPr>
+      </p:pic>
+      <p:sp>
+        <p:nvSpPr>
+          <p:cNvPr id="12" name="Подзаголовок 2"/>
+          <p:cNvSpPr txBox="1">
+            <a:spLocks/>
+          </p:cNvSpPr>
+          <p:nvPr/>
+        </p:nvSpPr>
+        <p:spPr>
+          <a:xfrm>
+            <a:off x="3200400" y="0"/>
+            <a:ext cx="5791198" cy="1067990"/>
+          </a:xfrm>
+          <a:prstGeom prst="rect">
+            <a:avLst/>
+          </a:prstGeom>
+        </p:spPr>
+        <p:txBody>
+          <a:bodyPr vert="horz" lIns="91440" tIns="45720" rIns="91440" bIns="45720" rtlCol="0">
+            <a:noAutofit/>
+          </a:bodyPr>
+          <a:lstStyle>
+            <a:lvl1pPr marL="0" indent="0" algn="ctr" defTabSz="914400" rtl="0" eaLnBrk="1" latinLnBrk="0" hangingPunct="1">
+              <a:lnSpc>
+                <a:spcPct val="90000"/>
+              </a:lnSpc>
+              <a:spcBef>
+                <a:spcPts val="1000"/>
+              </a:spcBef>
+              <a:buFont typeface="Arial" panose="020B0604020202020204" pitchFamily="34" charset="0"/>
+              <a:buNone/>
+              <a:defRPr sz="2400" kern="1200">
+                <a:solidFill>
+                  <a:schemeClr val="tx1"/>
+                </a:solidFill>
+                <a:latin typeface="+mn-lt"/>
+                <a:ea typeface="+mn-ea"/>
+                <a:cs typeface="+mn-cs"/>
+              </a:defRPr>
+            </a:lvl1pPr>
+            <a:lvl2pPr marL="457200" indent="0" algn="ctr" defTabSz="914400" rtl="0" eaLnBrk="1" latinLnBrk="0" hangingPunct="1">
+              <a:lnSpc>
+                <a:spcPct val="90000"/>
+              </a:lnSpc>
+              <a:spcBef>
+                <a:spcPts val="500"/>
+              </a:spcBef>
+              <a:buFont typeface="Arial" panose="020B0604020202020204" pitchFamily="34" charset="0"/>
+              <a:buNone/>
+              <a:defRPr sz="2000" kern="1200">
+                <a:solidFill>
+                  <a:schemeClr val="tx1"/>
+                </a:solidFill>
+                <a:latin typeface="+mn-lt"/>
+                <a:ea typeface="+mn-ea"/>
+                <a:cs typeface="+mn-cs"/>
+              </a:defRPr>
+            </a:lvl2pPr>
+            <a:lvl3pPr marL="914400" indent="0" algn="ctr" defTabSz="914400" rtl="0" eaLnBrk="1" latinLnBrk="0" hangingPunct="1">
+              <a:lnSpc>
+                <a:spcPct val="90000"/>
+              </a:lnSpc>
+              <a:spcBef>
+                <a:spcPts val="500"/>
+              </a:spcBef>
+              <a:buFont typeface="Arial" panose="020B0604020202020204" pitchFamily="34" charset="0"/>
+              <a:buNone/>
+              <a:defRPr sz="1800" kern="1200">
+                <a:solidFill>
+                  <a:schemeClr val="tx1"/>
+                </a:solidFill>
+                <a:latin typeface="+mn-lt"/>
+                <a:ea typeface="+mn-ea"/>
+                <a:cs typeface="+mn-cs"/>
+              </a:defRPr>
+            </a:lvl3pPr>
+            <a:lvl4pPr marL="1371600" indent="0" algn="ctr" defTabSz="914400" rtl="0" eaLnBrk="1" latinLnBrk="0" hangingPunct="1">
+              <a:lnSpc>
+                <a:spcPct val="90000"/>
+              </a:lnSpc>
+              <a:spcBef>
+                <a:spcPts val="500"/>
+              </a:spcBef>
+              <a:buFont typeface="Arial" panose="020B0604020202020204" pitchFamily="34" charset="0"/>
+              <a:buNone/>
+              <a:defRPr sz="1600" kern="1200">
+                <a:solidFill>
+                  <a:schemeClr val="tx1"/>
+                </a:solidFill>
+                <a:latin typeface="+mn-lt"/>
+                <a:ea typeface="+mn-ea"/>
+                <a:cs typeface="+mn-cs"/>
+              </a:defRPr>
+            </a:lvl4pPr>
+            <a:lvl5pPr marL="1828800" indent="0" algn="ctr" defTabSz="914400" rtl="0" eaLnBrk="1" latinLnBrk="0" hangingPunct="1">
+              <a:lnSpc>
+                <a:spcPct val="90000"/>
+              </a:lnSpc>
+              <a:spcBef>
+                <a:spcPts val="500"/>
+              </a:spcBef>
+              <a:buFont typeface="Arial" panose="020B0604020202020204" pitchFamily="34" charset="0"/>
+              <a:buNone/>
+              <a:defRPr sz="1600" kern="1200">
+                <a:solidFill>
+                  <a:schemeClr val="tx1"/>
+                </a:solidFill>
+                <a:latin typeface="+mn-lt"/>
+                <a:ea typeface="+mn-ea"/>
+                <a:cs typeface="+mn-cs"/>
+              </a:defRPr>
+            </a:lvl5pPr>
+            <a:lvl6pPr marL="2286000" indent="0" algn="ctr" defTabSz="914400" rtl="0" eaLnBrk="1" latinLnBrk="0" hangingPunct="1">
+              <a:lnSpc>
+                <a:spcPct val="90000"/>
+              </a:lnSpc>
+              <a:spcBef>
+                <a:spcPts val="500"/>
+              </a:spcBef>
+              <a:buFont typeface="Arial" panose="020B0604020202020204" pitchFamily="34" charset="0"/>
+              <a:buNone/>
+              <a:defRPr sz="1600" kern="1200">
+                <a:solidFill>
+                  <a:schemeClr val="tx1"/>
+                </a:solidFill>
+                <a:latin typeface="+mn-lt"/>
+                <a:ea typeface="+mn-ea"/>
+                <a:cs typeface="+mn-cs"/>
+              </a:defRPr>
+            </a:lvl6pPr>
+            <a:lvl7pPr marL="2743200" indent="0" algn="ctr" defTabSz="914400" rtl="0" eaLnBrk="1" latinLnBrk="0" hangingPunct="1">
+              <a:lnSpc>
+                <a:spcPct val="90000"/>
+              </a:lnSpc>
+              <a:spcBef>
+                <a:spcPts val="500"/>
+              </a:spcBef>
+              <a:buFont typeface="Arial" panose="020B0604020202020204" pitchFamily="34" charset="0"/>
+              <a:buNone/>
+              <a:defRPr sz="1600" kern="1200">
+                <a:solidFill>
+                  <a:schemeClr val="tx1"/>
+                </a:solidFill>
+                <a:latin typeface="+mn-lt"/>
+                <a:ea typeface="+mn-ea"/>
+                <a:cs typeface="+mn-cs"/>
+              </a:defRPr>
+            </a:lvl7pPr>
+            <a:lvl8pPr marL="3200400" indent="0" algn="ctr" defTabSz="914400" rtl="0" eaLnBrk="1" latinLnBrk="0" hangingPunct="1">
+              <a:lnSpc>
+                <a:spcPct val="90000"/>
+              </a:lnSpc>
+              <a:spcBef>
+                <a:spcPts val="500"/>
+              </a:spcBef>
+              <a:buFont typeface="Arial" panose="020B0604020202020204" pitchFamily="34" charset="0"/>
+              <a:buNone/>
+              <a:defRPr sz="1600" kern="1200">
+                <a:solidFill>
+                  <a:schemeClr val="tx1"/>
+                </a:solidFill>
+                <a:latin typeface="+mn-lt"/>
+                <a:ea typeface="+mn-ea"/>
+                <a:cs typeface="+mn-cs"/>
+              </a:defRPr>
+            </a:lvl8pPr>
+            <a:lvl9pPr marL="3657600" indent="0" algn="ctr" defTabSz="914400" rtl="0" eaLnBrk="1" latinLnBrk="0" hangingPunct="1">
+              <a:lnSpc>
+                <a:spcPct val="90000"/>
+              </a:lnSpc>
+              <a:spcBef>
+                <a:spcPts val="500"/>
+              </a:spcBef>
+              <a:buFont typeface="Arial" panose="020B0604020202020204" pitchFamily="34" charset="0"/>
+              <a:buNone/>
+              <a:defRPr sz="1600" kern="1200">
+                <a:solidFill>
+                  <a:schemeClr val="tx1"/>
+                </a:solidFill>
+                <a:latin typeface="+mn-lt"/>
+                <a:ea typeface="+mn-ea"/>
+                <a:cs typeface="+mn-cs"/>
+              </a:defRPr>
+            </a:lvl9pPr>
+          </a:lstStyle>
+          <a:p>
+            <a:r>
+              <a:rPr lang="ru-RU" sz="6600" b="1" dirty="0" smtClean="0">
+                <a:solidFill>
+                  <a:schemeClr val="bg1"/>
+                </a:solidFill>
+                <a:latin typeface="Bahnschrift Condensed" panose="020B0502040204020203" pitchFamily="34" charset="0"/>
+                <a:cs typeface="Arial" panose="020B0604020202020204" pitchFamily="34" charset="0"/>
+              </a:rPr>
+              <a:t>Цель</a:t>
+            </a:r>
+            <a:endParaRPr lang="en-US" sz="6600" b="1" dirty="0">
+              <a:solidFill>
+                <a:schemeClr val="bg1"/>
+              </a:solidFill>
+              <a:latin typeface="Bahnschrift Condensed" panose="020B0502040204020203" pitchFamily="34" charset="0"/>
+              <a:cs typeface="Arial" panose="020B0604020202020204" pitchFamily="34" charset="0"/>
+            </a:endParaRPr>
+          </a:p>
+        </p:txBody>
+      </p:sp>
+    </p:spTree>
+    <p:extLst>
+      <p:ext uri="{BB962C8B-B14F-4D97-AF65-F5344CB8AC3E}">
+        <p14:creationId xmlns:p14="http://schemas.microsoft.com/office/powerpoint/2010/main" val="2208633700"/>
+      </p:ext>
+    </p:extLst>
+  </p:cSld>
+  <p:clrMapOvr>
+    <a:masterClrMapping/>
+  </p:clrMapOvr>
+  <p:timing>
+    <p:tnLst>
+      <p:par>
+        <p:cTn id="1" dur="indefinite" restart="never" nodeType="tmRoot"/>
+      </p:par>
+    </p:tnLst>
+  </p:timing>
+</p:sld>
+</file>
+
+<file path=ppt/slides/slide5.xml><?xml version="1.0" encoding="utf-8"?>
+<p:sld xmlns:a="http://schemas.openxmlformats.org/drawingml/2006/main" xmlns:r="http://schemas.openxmlformats.org/officeDocument/2006/relationships" xmlns:p="http://schemas.openxmlformats.org/presentationml/2006/main">
+  <p:cSld>
+    <p:bg>
+      <p:bgPr>
+        <a:solidFill>
+          <a:srgbClr val="69B3E7"/>
+        </a:solidFill>
+        <a:effectLst/>
+      </p:bgPr>
+    </p:bg>
+    <p:spTree>
+      <p:nvGrpSpPr>
+        <p:cNvPr id="1" name=""/>
+        <p:cNvGrpSpPr/>
+        <p:nvPr/>
+      </p:nvGrpSpPr>
+      <p:grpSpPr>
+        <a:xfrm>
+          <a:off x="0" y="0"/>
+          <a:ext cx="0" cy="0"/>
+          <a:chOff x="0" y="0"/>
+          <a:chExt cx="0" cy="0"/>
+        </a:xfrm>
+      </p:grpSpPr>
+      <p:pic>
+        <p:nvPicPr>
+          <p:cNvPr id="4" name="Рисунок 3"/>
+          <p:cNvPicPr>
+            <a:picLocks noChangeAspect="1"/>
+          </p:cNvPicPr>
+          <p:nvPr/>
+        </p:nvPicPr>
+        <p:blipFill>
+          <a:blip r:embed="rId2"/>
+          <a:stretch>
+            <a:fillRect/>
+          </a:stretch>
+        </p:blipFill>
+        <p:spPr>
+          <a:xfrm>
+            <a:off x="10376451" y="4899658"/>
+            <a:ext cx="1486937" cy="1811498"/>
+          </a:xfrm>
+          <a:prstGeom prst="rect">
+            <a:avLst/>
+          </a:prstGeom>
+        </p:spPr>
+      </p:pic>
+      <p:sp>
+        <p:nvSpPr>
+          <p:cNvPr id="12" name="Подзаголовок 2"/>
+          <p:cNvSpPr txBox="1">
+            <a:spLocks/>
+          </p:cNvSpPr>
+          <p:nvPr/>
+        </p:nvSpPr>
+        <p:spPr>
+          <a:xfrm>
+            <a:off x="3200400" y="0"/>
+            <a:ext cx="5791198" cy="1067990"/>
+          </a:xfrm>
+          <a:prstGeom prst="rect">
+            <a:avLst/>
+          </a:prstGeom>
+        </p:spPr>
+        <p:txBody>
+          <a:bodyPr vert="horz" lIns="91440" tIns="45720" rIns="91440" bIns="45720" rtlCol="0">
+            <a:noAutofit/>
+          </a:bodyPr>
+          <a:lstStyle>
+            <a:lvl1pPr marL="0" indent="0" algn="ctr" defTabSz="914400" rtl="0" eaLnBrk="1" latinLnBrk="0" hangingPunct="1">
+              <a:lnSpc>
+                <a:spcPct val="90000"/>
+              </a:lnSpc>
+              <a:spcBef>
+                <a:spcPts val="1000"/>
+              </a:spcBef>
+              <a:buFont typeface="Arial" panose="020B0604020202020204" pitchFamily="34" charset="0"/>
+              <a:buNone/>
+              <a:defRPr sz="2400" kern="1200">
+                <a:solidFill>
+                  <a:schemeClr val="tx1"/>
+                </a:solidFill>
+                <a:latin typeface="+mn-lt"/>
+                <a:ea typeface="+mn-ea"/>
+                <a:cs typeface="+mn-cs"/>
+              </a:defRPr>
+            </a:lvl1pPr>
+            <a:lvl2pPr marL="457200" indent="0" algn="ctr" defTabSz="914400" rtl="0" eaLnBrk="1" latinLnBrk="0" hangingPunct="1">
+              <a:lnSpc>
+                <a:spcPct val="90000"/>
+              </a:lnSpc>
+              <a:spcBef>
+                <a:spcPts val="500"/>
+              </a:spcBef>
+              <a:buFont typeface="Arial" panose="020B0604020202020204" pitchFamily="34" charset="0"/>
+              <a:buNone/>
+              <a:defRPr sz="2000" kern="1200">
+                <a:solidFill>
+                  <a:schemeClr val="tx1"/>
+                </a:solidFill>
+                <a:latin typeface="+mn-lt"/>
+                <a:ea typeface="+mn-ea"/>
+                <a:cs typeface="+mn-cs"/>
+              </a:defRPr>
+            </a:lvl2pPr>
+            <a:lvl3pPr marL="914400" indent="0" algn="ctr" defTabSz="914400" rtl="0" eaLnBrk="1" latinLnBrk="0" hangingPunct="1">
+              <a:lnSpc>
+                <a:spcPct val="90000"/>
+              </a:lnSpc>
+              <a:spcBef>
+                <a:spcPts val="500"/>
+              </a:spcBef>
+              <a:buFont typeface="Arial" panose="020B0604020202020204" pitchFamily="34" charset="0"/>
+              <a:buNone/>
+              <a:defRPr sz="1800" kern="1200">
+                <a:solidFill>
+                  <a:schemeClr val="tx1"/>
+                </a:solidFill>
+                <a:latin typeface="+mn-lt"/>
+                <a:ea typeface="+mn-ea"/>
+                <a:cs typeface="+mn-cs"/>
+              </a:defRPr>
+            </a:lvl3pPr>
+            <a:lvl4pPr marL="1371600" indent="0" algn="ctr" defTabSz="914400" rtl="0" eaLnBrk="1" latinLnBrk="0" hangingPunct="1">
+              <a:lnSpc>
+                <a:spcPct val="90000"/>
+              </a:lnSpc>
+              <a:spcBef>
+                <a:spcPts val="500"/>
+              </a:spcBef>
+              <a:buFont typeface="Arial" panose="020B0604020202020204" pitchFamily="34" charset="0"/>
+              <a:buNone/>
+              <a:defRPr sz="1600" kern="1200">
+                <a:solidFill>
+                  <a:schemeClr val="tx1"/>
+                </a:solidFill>
+                <a:latin typeface="+mn-lt"/>
+                <a:ea typeface="+mn-ea"/>
+                <a:cs typeface="+mn-cs"/>
+              </a:defRPr>
+            </a:lvl4pPr>
+            <a:lvl5pPr marL="1828800" indent="0" algn="ctr" defTabSz="914400" rtl="0" eaLnBrk="1" latinLnBrk="0" hangingPunct="1">
+              <a:lnSpc>
+                <a:spcPct val="90000"/>
+              </a:lnSpc>
+              <a:spcBef>
+                <a:spcPts val="500"/>
+              </a:spcBef>
+              <a:buFont typeface="Arial" panose="020B0604020202020204" pitchFamily="34" charset="0"/>
+              <a:buNone/>
+              <a:defRPr sz="1600" kern="1200">
+                <a:solidFill>
+                  <a:schemeClr val="tx1"/>
+                </a:solidFill>
+                <a:latin typeface="+mn-lt"/>
+                <a:ea typeface="+mn-ea"/>
+                <a:cs typeface="+mn-cs"/>
+              </a:defRPr>
+            </a:lvl5pPr>
+            <a:lvl6pPr marL="2286000" indent="0" algn="ctr" defTabSz="914400" rtl="0" eaLnBrk="1" latinLnBrk="0" hangingPunct="1">
+              <a:lnSpc>
+                <a:spcPct val="90000"/>
+              </a:lnSpc>
+              <a:spcBef>
+                <a:spcPts val="500"/>
+              </a:spcBef>
+              <a:buFont typeface="Arial" panose="020B0604020202020204" pitchFamily="34" charset="0"/>
+              <a:buNone/>
+              <a:defRPr sz="1600" kern="1200">
+                <a:solidFill>
+                  <a:schemeClr val="tx1"/>
+                </a:solidFill>
+                <a:latin typeface="+mn-lt"/>
+                <a:ea typeface="+mn-ea"/>
+                <a:cs typeface="+mn-cs"/>
+              </a:defRPr>
+            </a:lvl6pPr>
+            <a:lvl7pPr marL="2743200" indent="0" algn="ctr" defTabSz="914400" rtl="0" eaLnBrk="1" latinLnBrk="0" hangingPunct="1">
+              <a:lnSpc>
+                <a:spcPct val="90000"/>
+              </a:lnSpc>
+              <a:spcBef>
+                <a:spcPts val="500"/>
+              </a:spcBef>
+              <a:buFont typeface="Arial" panose="020B0604020202020204" pitchFamily="34" charset="0"/>
+              <a:buNone/>
+              <a:defRPr sz="1600" kern="1200">
+                <a:solidFill>
+                  <a:schemeClr val="tx1"/>
+                </a:solidFill>
+                <a:latin typeface="+mn-lt"/>
+                <a:ea typeface="+mn-ea"/>
+                <a:cs typeface="+mn-cs"/>
+              </a:defRPr>
+            </a:lvl7pPr>
+            <a:lvl8pPr marL="3200400" indent="0" algn="ctr" defTabSz="914400" rtl="0" eaLnBrk="1" latinLnBrk="0" hangingPunct="1">
+              <a:lnSpc>
+                <a:spcPct val="90000"/>
+              </a:lnSpc>
+              <a:spcBef>
+                <a:spcPts val="500"/>
+              </a:spcBef>
+              <a:buFont typeface="Arial" panose="020B0604020202020204" pitchFamily="34" charset="0"/>
+              <a:buNone/>
+              <a:defRPr sz="1600" kern="1200">
+                <a:solidFill>
+                  <a:schemeClr val="tx1"/>
+                </a:solidFill>
+                <a:latin typeface="+mn-lt"/>
+                <a:ea typeface="+mn-ea"/>
+                <a:cs typeface="+mn-cs"/>
+              </a:defRPr>
+            </a:lvl8pPr>
+            <a:lvl9pPr marL="3657600" indent="0" algn="ctr" defTabSz="914400" rtl="0" eaLnBrk="1" latinLnBrk="0" hangingPunct="1">
+              <a:lnSpc>
+                <a:spcPct val="90000"/>
+              </a:lnSpc>
+              <a:spcBef>
+                <a:spcPts val="500"/>
+              </a:spcBef>
+              <a:buFont typeface="Arial" panose="020B0604020202020204" pitchFamily="34" charset="0"/>
+              <a:buNone/>
+              <a:defRPr sz="1600" kern="1200">
+                <a:solidFill>
+                  <a:schemeClr val="tx1"/>
+                </a:solidFill>
+                <a:latin typeface="+mn-lt"/>
+                <a:ea typeface="+mn-ea"/>
+                <a:cs typeface="+mn-cs"/>
+              </a:defRPr>
+            </a:lvl9pPr>
+          </a:lstStyle>
+          <a:p>
+            <a:r>
+              <a:rPr lang="ru-RU" sz="6600" b="1" dirty="0" smtClean="0">
+                <a:solidFill>
+                  <a:schemeClr val="bg1"/>
+                </a:solidFill>
+                <a:latin typeface="Bahnschrift Condensed" panose="020B0502040204020203" pitchFamily="34" charset="0"/>
+                <a:cs typeface="Arial" panose="020B0604020202020204" pitchFamily="34" charset="0"/>
+              </a:rPr>
+              <a:t>Задачи</a:t>
+            </a:r>
+          </a:p>
+        </p:txBody>
+      </p:sp>
+    </p:spTree>
+    <p:extLst>
+      <p:ext uri="{BB962C8B-B14F-4D97-AF65-F5344CB8AC3E}">
+        <p14:creationId xmlns:p14="http://schemas.microsoft.com/office/powerpoint/2010/main" val="1889851591"/>
+      </p:ext>
+    </p:extLst>
+  </p:cSld>
+  <p:clrMapOvr>
+    <a:masterClrMapping/>
+  </p:clrMapOvr>
+  <p:timing>
+    <p:tnLst>
+      <p:par>
+        <p:cTn id="1" dur="indefinite" restart="never" nodeType="tmRoot"/>
+      </p:par>
+    </p:tnLst>
+  </p:timing>
+</p:sld>
+</file>
+
+<file path=ppt/slides/slide6.xml><?xml version="1.0" encoding="utf-8"?>
+<p:sld xmlns:a="http://schemas.openxmlformats.org/drawingml/2006/main" xmlns:r="http://schemas.openxmlformats.org/officeDocument/2006/relationships" xmlns:p="http://schemas.openxmlformats.org/presentationml/2006/main">
+  <p:cSld>
+    <p:bg>
+      <p:bgPr>
+        <a:solidFill>
+          <a:srgbClr val="69B3E7"/>
+        </a:solidFill>
+        <a:effectLst/>
+      </p:bgPr>
+    </p:bg>
+    <p:spTree>
+      <p:nvGrpSpPr>
+        <p:cNvPr id="1" name=""/>
+        <p:cNvGrpSpPr/>
+        <p:nvPr/>
+      </p:nvGrpSpPr>
+      <p:grpSpPr>
+        <a:xfrm>
+          <a:off x="0" y="0"/>
+          <a:ext cx="0" cy="0"/>
+          <a:chOff x="0" y="0"/>
+          <a:chExt cx="0" cy="0"/>
+        </a:xfrm>
+      </p:grpSpPr>
+      <p:pic>
+        <p:nvPicPr>
+          <p:cNvPr id="4" name="Рисунок 3"/>
+          <p:cNvPicPr>
+            <a:picLocks noChangeAspect="1"/>
+          </p:cNvPicPr>
+          <p:nvPr/>
+        </p:nvPicPr>
+        <p:blipFill>
+          <a:blip r:embed="rId3"/>
+          <a:stretch>
+            <a:fillRect/>
+          </a:stretch>
+        </p:blipFill>
+        <p:spPr>
+          <a:xfrm>
+            <a:off x="10376451" y="4899658"/>
+            <a:ext cx="1486937" cy="1811498"/>
+          </a:xfrm>
+          <a:prstGeom prst="rect">
+            <a:avLst/>
+          </a:prstGeom>
+        </p:spPr>
+      </p:pic>
+      <p:sp>
+        <p:nvSpPr>
+          <p:cNvPr id="12" name="Подзаголовок 2"/>
+          <p:cNvSpPr txBox="1">
+            <a:spLocks/>
+          </p:cNvSpPr>
+          <p:nvPr/>
+        </p:nvSpPr>
+        <p:spPr>
+          <a:xfrm>
+            <a:off x="2809875" y="0"/>
+            <a:ext cx="6572248" cy="1067990"/>
+          </a:xfrm>
+          <a:prstGeom prst="rect">
+            <a:avLst/>
+          </a:prstGeom>
+        </p:spPr>
+        <p:txBody>
+          <a:bodyPr vert="horz" lIns="91440" tIns="45720" rIns="91440" bIns="45720" rtlCol="0">
+            <a:noAutofit/>
+          </a:bodyPr>
+          <a:lstStyle>
+            <a:lvl1pPr marL="0" indent="0" algn="ctr" defTabSz="914400" rtl="0" eaLnBrk="1" latinLnBrk="0" hangingPunct="1">
+              <a:lnSpc>
+                <a:spcPct val="90000"/>
+              </a:lnSpc>
+              <a:spcBef>
+                <a:spcPts val="1000"/>
+              </a:spcBef>
+              <a:buFont typeface="Arial" panose="020B0604020202020204" pitchFamily="34" charset="0"/>
+              <a:buNone/>
+              <a:defRPr sz="2400" kern="1200">
+                <a:solidFill>
+                  <a:schemeClr val="tx1"/>
+                </a:solidFill>
+                <a:latin typeface="+mn-lt"/>
+                <a:ea typeface="+mn-ea"/>
+                <a:cs typeface="+mn-cs"/>
+              </a:defRPr>
+            </a:lvl1pPr>
+            <a:lvl2pPr marL="457200" indent="0" algn="ctr" defTabSz="914400" rtl="0" eaLnBrk="1" latinLnBrk="0" hangingPunct="1">
+              <a:lnSpc>
+                <a:spcPct val="90000"/>
+              </a:lnSpc>
+              <a:spcBef>
+                <a:spcPts val="500"/>
+              </a:spcBef>
+              <a:buFont typeface="Arial" panose="020B0604020202020204" pitchFamily="34" charset="0"/>
+              <a:buNone/>
+              <a:defRPr sz="2000" kern="1200">
+                <a:solidFill>
+                  <a:schemeClr val="tx1"/>
+                </a:solidFill>
+                <a:latin typeface="+mn-lt"/>
+                <a:ea typeface="+mn-ea"/>
+                <a:cs typeface="+mn-cs"/>
+              </a:defRPr>
+            </a:lvl2pPr>
+            <a:lvl3pPr marL="914400" indent="0" algn="ctr" defTabSz="914400" rtl="0" eaLnBrk="1" latinLnBrk="0" hangingPunct="1">
+              <a:lnSpc>
+                <a:spcPct val="90000"/>
+              </a:lnSpc>
+              <a:spcBef>
+                <a:spcPts val="500"/>
+              </a:spcBef>
+              <a:buFont typeface="Arial" panose="020B0604020202020204" pitchFamily="34" charset="0"/>
+              <a:buNone/>
+              <a:defRPr sz="1800" kern="1200">
+                <a:solidFill>
+                  <a:schemeClr val="tx1"/>
+                </a:solidFill>
+                <a:latin typeface="+mn-lt"/>
+                <a:ea typeface="+mn-ea"/>
+                <a:cs typeface="+mn-cs"/>
+              </a:defRPr>
+            </a:lvl3pPr>
+            <a:lvl4pPr marL="1371600" indent="0" algn="ctr" defTabSz="914400" rtl="0" eaLnBrk="1" latinLnBrk="0" hangingPunct="1">
+              <a:lnSpc>
+                <a:spcPct val="90000"/>
+              </a:lnSpc>
+              <a:spcBef>
+                <a:spcPts val="500"/>
+              </a:spcBef>
+              <a:buFont typeface="Arial" panose="020B0604020202020204" pitchFamily="34" charset="0"/>
+              <a:buNone/>
+              <a:defRPr sz="1600" kern="1200">
+                <a:solidFill>
+                  <a:schemeClr val="tx1"/>
+                </a:solidFill>
+                <a:latin typeface="+mn-lt"/>
+                <a:ea typeface="+mn-ea"/>
+                <a:cs typeface="+mn-cs"/>
+              </a:defRPr>
+            </a:lvl4pPr>
+            <a:lvl5pPr marL="1828800" indent="0" algn="ctr" defTabSz="914400" rtl="0" eaLnBrk="1" latinLnBrk="0" hangingPunct="1">
+              <a:lnSpc>
+                <a:spcPct val="90000"/>
+              </a:lnSpc>
+              <a:spcBef>
+                <a:spcPts val="500"/>
+              </a:spcBef>
+              <a:buFont typeface="Arial" panose="020B0604020202020204" pitchFamily="34" charset="0"/>
+              <a:buNone/>
+              <a:defRPr sz="1600" kern="1200">
+                <a:solidFill>
+                  <a:schemeClr val="tx1"/>
+                </a:solidFill>
+                <a:latin typeface="+mn-lt"/>
+                <a:ea typeface="+mn-ea"/>
+                <a:cs typeface="+mn-cs"/>
+              </a:defRPr>
+            </a:lvl5pPr>
+            <a:lvl6pPr marL="2286000" indent="0" algn="ctr" defTabSz="914400" rtl="0" eaLnBrk="1" latinLnBrk="0" hangingPunct="1">
+              <a:lnSpc>
+                <a:spcPct val="90000"/>
+              </a:lnSpc>
+              <a:spcBef>
+                <a:spcPts val="500"/>
+              </a:spcBef>
+              <a:buFont typeface="Arial" panose="020B0604020202020204" pitchFamily="34" charset="0"/>
+              <a:buNone/>
+              <a:defRPr sz="1600" kern="1200">
+                <a:solidFill>
+                  <a:schemeClr val="tx1"/>
+                </a:solidFill>
+                <a:latin typeface="+mn-lt"/>
+                <a:ea typeface="+mn-ea"/>
+                <a:cs typeface="+mn-cs"/>
+              </a:defRPr>
+            </a:lvl6pPr>
+            <a:lvl7pPr marL="2743200" indent="0" algn="ctr" defTabSz="914400" rtl="0" eaLnBrk="1" latinLnBrk="0" hangingPunct="1">
+              <a:lnSpc>
+                <a:spcPct val="90000"/>
+              </a:lnSpc>
+              <a:spcBef>
+                <a:spcPts val="500"/>
+              </a:spcBef>
+              <a:buFont typeface="Arial" panose="020B0604020202020204" pitchFamily="34" charset="0"/>
+              <a:buNone/>
+              <a:defRPr sz="1600" kern="1200">
+                <a:solidFill>
+                  <a:schemeClr val="tx1"/>
+                </a:solidFill>
+                <a:latin typeface="+mn-lt"/>
+                <a:ea typeface="+mn-ea"/>
+                <a:cs typeface="+mn-cs"/>
+              </a:defRPr>
+            </a:lvl7pPr>
+            <a:lvl8pPr marL="3200400" indent="0" algn="ctr" defTabSz="914400" rtl="0" eaLnBrk="1" latinLnBrk="0" hangingPunct="1">
+              <a:lnSpc>
+                <a:spcPct val="90000"/>
+              </a:lnSpc>
+              <a:spcBef>
+                <a:spcPts val="500"/>
+              </a:spcBef>
+              <a:buFont typeface="Arial" panose="020B0604020202020204" pitchFamily="34" charset="0"/>
+              <a:buNone/>
+              <a:defRPr sz="1600" kern="1200">
+                <a:solidFill>
+                  <a:schemeClr val="tx1"/>
+                </a:solidFill>
+                <a:latin typeface="+mn-lt"/>
+                <a:ea typeface="+mn-ea"/>
+                <a:cs typeface="+mn-cs"/>
+              </a:defRPr>
+            </a:lvl8pPr>
+            <a:lvl9pPr marL="3657600" indent="0" algn="ctr" defTabSz="914400" rtl="0" eaLnBrk="1" latinLnBrk="0" hangingPunct="1">
+              <a:lnSpc>
+                <a:spcPct val="90000"/>
+              </a:lnSpc>
+              <a:spcBef>
+                <a:spcPts val="500"/>
+              </a:spcBef>
+              <a:buFont typeface="Arial" panose="020B0604020202020204" pitchFamily="34" charset="0"/>
+              <a:buNone/>
+              <a:defRPr sz="1600" kern="1200">
+                <a:solidFill>
+                  <a:schemeClr val="tx1"/>
+                </a:solidFill>
+                <a:latin typeface="+mn-lt"/>
+                <a:ea typeface="+mn-ea"/>
+                <a:cs typeface="+mn-cs"/>
+              </a:defRPr>
+            </a:lvl9pPr>
+          </a:lstStyle>
+          <a:p>
+            <a:r>
+              <a:rPr lang="ru-RU" sz="6600" b="1" dirty="0" smtClean="0">
+                <a:solidFill>
+                  <a:schemeClr val="bg1"/>
+                </a:solidFill>
+                <a:latin typeface="Bahnschrift Condensed" panose="020B0502040204020203" pitchFamily="34" charset="0"/>
+                <a:cs typeface="Arial" panose="020B0604020202020204" pitchFamily="34" charset="0"/>
+              </a:rPr>
+              <a:t>Средства разработки</a:t>
+            </a:r>
+            <a:endParaRPr lang="en-US" sz="6600" b="1" dirty="0">
+              <a:solidFill>
+                <a:schemeClr val="bg1"/>
+              </a:solidFill>
+              <a:latin typeface="Bahnschrift Condensed" panose="020B0502040204020203" pitchFamily="34" charset="0"/>
+              <a:cs typeface="Arial" panose="020B0604020202020204" pitchFamily="34" charset="0"/>
+            </a:endParaRPr>
+          </a:p>
+        </p:txBody>
+      </p:sp>
+      <p:pic>
+        <p:nvPicPr>
+          <p:cNvPr id="3" name="Рисунок 2"/>
+          <p:cNvPicPr>
+            <a:picLocks noChangeAspect="1"/>
+          </p:cNvPicPr>
+          <p:nvPr/>
+        </p:nvPicPr>
+        <p:blipFill>
+          <a:blip r:embed="rId4" cstate="print">
+            <a:extLst>
+              <a:ext uri="{28A0092B-C50C-407E-A947-70E740481C1C}">
+                <a14:useLocalDpi xmlns:a14="http://schemas.microsoft.com/office/drawing/2010/main" val="0"/>
+              </a:ext>
+            </a:extLst>
+          </a:blip>
+          <a:stretch>
+            <a:fillRect/>
+          </a:stretch>
+        </p:blipFill>
+        <p:spPr>
+          <a:xfrm>
+            <a:off x="2513134" y="1245968"/>
+            <a:ext cx="2630090" cy="2630090"/>
+          </a:xfrm>
+          <a:prstGeom prst="rect">
+            <a:avLst/>
+          </a:prstGeom>
+        </p:spPr>
+      </p:pic>
+      <p:pic>
+        <p:nvPicPr>
+          <p:cNvPr id="5" name="Рисунок 4"/>
+          <p:cNvPicPr>
+            <a:picLocks noChangeAspect="1"/>
+          </p:cNvPicPr>
+          <p:nvPr/>
+        </p:nvPicPr>
+        <p:blipFill>
+          <a:blip r:embed="rId5" cstate="print">
+            <a:extLst>
+              <a:ext uri="{28A0092B-C50C-407E-A947-70E740481C1C}">
+                <a14:useLocalDpi xmlns:a14="http://schemas.microsoft.com/office/drawing/2010/main" val="0"/>
+              </a:ext>
+            </a:extLst>
+          </a:blip>
+          <a:stretch>
+            <a:fillRect/>
+          </a:stretch>
+        </p:blipFill>
+        <p:spPr>
+          <a:xfrm>
+            <a:off x="6463544" y="1489075"/>
+            <a:ext cx="2220079" cy="2220076"/>
+          </a:xfrm>
+          <a:prstGeom prst="rect">
+            <a:avLst/>
+          </a:prstGeom>
+        </p:spPr>
+      </p:pic>
+      <p:pic>
+        <p:nvPicPr>
+          <p:cNvPr id="9" name="Рисунок 8"/>
+          <p:cNvPicPr>
+            <a:picLocks noChangeAspect="1"/>
+          </p:cNvPicPr>
+          <p:nvPr/>
+        </p:nvPicPr>
+        <p:blipFill>
+          <a:blip r:embed="rId6">
+            <a:extLst>
+              <a:ext uri="{28A0092B-C50C-407E-A947-70E740481C1C}">
+                <a14:useLocalDpi xmlns:a14="http://schemas.microsoft.com/office/drawing/2010/main" val="0"/>
+              </a:ext>
+            </a:extLst>
+          </a:blip>
+          <a:stretch>
+            <a:fillRect/>
+          </a:stretch>
+        </p:blipFill>
+        <p:spPr>
+          <a:xfrm>
+            <a:off x="8012741" y="3851823"/>
+            <a:ext cx="1627110" cy="1627107"/>
+          </a:xfrm>
+          <a:prstGeom prst="rect">
+            <a:avLst/>
+          </a:prstGeom>
+        </p:spPr>
+      </p:pic>
+      <p:pic>
+        <p:nvPicPr>
+          <p:cNvPr id="10" name="Рисунок 9"/>
+          <p:cNvPicPr>
+            <a:picLocks noChangeAspect="1"/>
+          </p:cNvPicPr>
+          <p:nvPr/>
+        </p:nvPicPr>
+        <p:blipFill>
+          <a:blip r:embed="rId7">
+            <a:extLst>
+              <a:ext uri="{28A0092B-C50C-407E-A947-70E740481C1C}">
+                <a14:useLocalDpi xmlns:a14="http://schemas.microsoft.com/office/drawing/2010/main" val="0"/>
+              </a:ext>
+            </a:extLst>
+          </a:blip>
+          <a:stretch>
+            <a:fillRect/>
+          </a:stretch>
+        </p:blipFill>
+        <p:spPr>
+          <a:xfrm>
+            <a:off x="1895473" y="3280471"/>
+            <a:ext cx="2066927" cy="2198459"/>
+          </a:xfrm>
+          <a:prstGeom prst="rect">
+            <a:avLst/>
+          </a:prstGeom>
+        </p:spPr>
+      </p:pic>
+      <p:pic>
+        <p:nvPicPr>
+          <p:cNvPr id="11" name="Рисунок 10"/>
+          <p:cNvPicPr>
+            <a:picLocks noChangeAspect="1"/>
+          </p:cNvPicPr>
+          <p:nvPr/>
+        </p:nvPicPr>
+        <p:blipFill>
+          <a:blip r:embed="rId8" cstate="print">
+            <a:extLst>
+              <a:ext uri="{28A0092B-C50C-407E-A947-70E740481C1C}">
+                <a14:useLocalDpi xmlns:a14="http://schemas.microsoft.com/office/drawing/2010/main" val="0"/>
+              </a:ext>
+            </a:extLst>
+          </a:blip>
+          <a:stretch>
+            <a:fillRect/>
+          </a:stretch>
+        </p:blipFill>
+        <p:spPr>
+          <a:xfrm>
+            <a:off x="5699087" y="3709151"/>
+            <a:ext cx="1490815" cy="1490815"/>
+          </a:xfrm>
+          <a:prstGeom prst="rect">
+            <a:avLst/>
+          </a:prstGeom>
+        </p:spPr>
+      </p:pic>
+    </p:spTree>
+    <p:extLst>
+      <p:ext uri="{BB962C8B-B14F-4D97-AF65-F5344CB8AC3E}">
+        <p14:creationId xmlns:p14="http://schemas.microsoft.com/office/powerpoint/2010/main" val="2928889608"/>
+      </p:ext>
+    </p:extLst>
+  </p:cSld>
+  <p:clrMapOvr>
+    <a:masterClrMapping/>
+  </p:clrMapOvr>
+  <p:timing>
+    <p:tnLst>
+      <p:par>
+        <p:cTn id="1" dur="indefinite" restart="never" nodeType="tmRoot"/>
+      </p:par>
+    </p:tnLst>
+  </p:timing>
+</p:sld>
+</file>
+
+<file path=ppt/slides/slide7.xml><?xml version="1.0" encoding="utf-8"?>
+<p:sld xmlns:a="http://schemas.openxmlformats.org/drawingml/2006/main" xmlns:r="http://schemas.openxmlformats.org/officeDocument/2006/relationships" xmlns:p="http://schemas.openxmlformats.org/presentationml/2006/main">
+  <p:cSld>
+    <p:bg>
+      <p:bgPr>
+        <a:solidFill>
+          <a:srgbClr val="FF5124"/>
+        </a:solidFill>
+        <a:effectLst/>
+      </p:bgPr>
+    </p:bg>
+    <p:spTree>
+      <p:nvGrpSpPr>
+        <p:cNvPr id="1" name=""/>
+        <p:cNvGrpSpPr/>
+        <p:nvPr/>
+      </p:nvGrpSpPr>
+      <p:grpSpPr>
+        <a:xfrm>
+          <a:off x="0" y="0"/>
+          <a:ext cx="0" cy="0"/>
+          <a:chOff x="0" y="0"/>
+          <a:chExt cx="0" cy="0"/>
+        </a:xfrm>
+      </p:grpSpPr>
+      <p:pic>
+        <p:nvPicPr>
+          <p:cNvPr id="4" name="Рисунок 3"/>
+          <p:cNvPicPr>
+            <a:picLocks noChangeAspect="1"/>
+          </p:cNvPicPr>
+          <p:nvPr/>
+        </p:nvPicPr>
+        <p:blipFill>
+          <a:blip r:embed="rId2"/>
+          <a:stretch>
+            <a:fillRect/>
+          </a:stretch>
+        </p:blipFill>
+        <p:spPr>
+          <a:xfrm>
+            <a:off x="10376451" y="4899657"/>
+            <a:ext cx="1486937" cy="1811498"/>
+          </a:xfrm>
+          <a:prstGeom prst="rect">
+            <a:avLst/>
+          </a:prstGeom>
+        </p:spPr>
+      </p:pic>
+      <p:sp>
+        <p:nvSpPr>
+          <p:cNvPr id="9" name="Подзаголовок 2"/>
+          <p:cNvSpPr txBox="1">
+            <a:spLocks/>
+          </p:cNvSpPr>
+          <p:nvPr/>
+        </p:nvSpPr>
+        <p:spPr>
+          <a:xfrm>
+            <a:off x="2809875" y="0"/>
+            <a:ext cx="6572248" cy="1067990"/>
+          </a:xfrm>
+          <a:prstGeom prst="rect">
+            <a:avLst/>
+          </a:prstGeom>
+        </p:spPr>
+        <p:txBody>
+          <a:bodyPr vert="horz" lIns="91440" tIns="45720" rIns="91440" bIns="45720" rtlCol="0">
+            <a:noAutofit/>
+          </a:bodyPr>
+          <a:lstStyle>
+            <a:lvl1pPr marL="0" indent="0" algn="ctr" defTabSz="914400" rtl="0" eaLnBrk="1" latinLnBrk="0" hangingPunct="1">
+              <a:lnSpc>
+                <a:spcPct val="90000"/>
+              </a:lnSpc>
+              <a:spcBef>
+                <a:spcPts val="1000"/>
+              </a:spcBef>
+              <a:buFont typeface="Arial" panose="020B0604020202020204" pitchFamily="34" charset="0"/>
+              <a:buNone/>
+              <a:defRPr sz="2400" kern="1200">
+                <a:solidFill>
+                  <a:schemeClr val="tx1"/>
+                </a:solidFill>
+                <a:latin typeface="+mn-lt"/>
+                <a:ea typeface="+mn-ea"/>
+                <a:cs typeface="+mn-cs"/>
+              </a:defRPr>
+            </a:lvl1pPr>
+            <a:lvl2pPr marL="457200" indent="0" algn="ctr" defTabSz="914400" rtl="0" eaLnBrk="1" latinLnBrk="0" hangingPunct="1">
+              <a:lnSpc>
+                <a:spcPct val="90000"/>
+              </a:lnSpc>
+              <a:spcBef>
+                <a:spcPts val="500"/>
+              </a:spcBef>
+              <a:buFont typeface="Arial" panose="020B0604020202020204" pitchFamily="34" charset="0"/>
+              <a:buNone/>
+              <a:defRPr sz="2000" kern="1200">
+                <a:solidFill>
+                  <a:schemeClr val="tx1"/>
+                </a:solidFill>
+                <a:latin typeface="+mn-lt"/>
+                <a:ea typeface="+mn-ea"/>
+                <a:cs typeface="+mn-cs"/>
+              </a:defRPr>
+            </a:lvl2pPr>
+            <a:lvl3pPr marL="914400" indent="0" algn="ctr" defTabSz="914400" rtl="0" eaLnBrk="1" latinLnBrk="0" hangingPunct="1">
+              <a:lnSpc>
+                <a:spcPct val="90000"/>
+              </a:lnSpc>
+              <a:spcBef>
+                <a:spcPts val="500"/>
+              </a:spcBef>
+              <a:buFont typeface="Arial" panose="020B0604020202020204" pitchFamily="34" charset="0"/>
+              <a:buNone/>
+              <a:defRPr sz="1800" kern="1200">
+                <a:solidFill>
+                  <a:schemeClr val="tx1"/>
+                </a:solidFill>
+                <a:latin typeface="+mn-lt"/>
+                <a:ea typeface="+mn-ea"/>
+                <a:cs typeface="+mn-cs"/>
+              </a:defRPr>
+            </a:lvl3pPr>
+            <a:lvl4pPr marL="1371600" indent="0" algn="ctr" defTabSz="914400" rtl="0" eaLnBrk="1" latinLnBrk="0" hangingPunct="1">
+              <a:lnSpc>
+                <a:spcPct val="90000"/>
+              </a:lnSpc>
+              <a:spcBef>
+                <a:spcPts val="500"/>
+              </a:spcBef>
+              <a:buFont typeface="Arial" panose="020B0604020202020204" pitchFamily="34" charset="0"/>
+              <a:buNone/>
+              <a:defRPr sz="1600" kern="1200">
+                <a:solidFill>
+                  <a:schemeClr val="tx1"/>
+                </a:solidFill>
+                <a:latin typeface="+mn-lt"/>
+                <a:ea typeface="+mn-ea"/>
+                <a:cs typeface="+mn-cs"/>
+              </a:defRPr>
+            </a:lvl4pPr>
+            <a:lvl5pPr marL="1828800" indent="0" algn="ctr" defTabSz="914400" rtl="0" eaLnBrk="1" latinLnBrk="0" hangingPunct="1">
+              <a:lnSpc>
+                <a:spcPct val="90000"/>
+              </a:lnSpc>
+              <a:spcBef>
+                <a:spcPts val="500"/>
+              </a:spcBef>
+              <a:buFont typeface="Arial" panose="020B0604020202020204" pitchFamily="34" charset="0"/>
+              <a:buNone/>
+              <a:defRPr sz="1600" kern="1200">
+                <a:solidFill>
+                  <a:schemeClr val="tx1"/>
+                </a:solidFill>
+                <a:latin typeface="+mn-lt"/>
+                <a:ea typeface="+mn-ea"/>
+                <a:cs typeface="+mn-cs"/>
+              </a:defRPr>
+            </a:lvl5pPr>
+            <a:lvl6pPr marL="2286000" indent="0" algn="ctr" defTabSz="914400" rtl="0" eaLnBrk="1" latinLnBrk="0" hangingPunct="1">
+              <a:lnSpc>
+                <a:spcPct val="90000"/>
+              </a:lnSpc>
+              <a:spcBef>
+                <a:spcPts val="500"/>
+              </a:spcBef>
+              <a:buFont typeface="Arial" panose="020B0604020202020204" pitchFamily="34" charset="0"/>
+              <a:buNone/>
+              <a:defRPr sz="1600" kern="1200">
+                <a:solidFill>
+                  <a:schemeClr val="tx1"/>
+                </a:solidFill>
+                <a:latin typeface="+mn-lt"/>
+                <a:ea typeface="+mn-ea"/>
+                <a:cs typeface="+mn-cs"/>
+              </a:defRPr>
+            </a:lvl6pPr>
+            <a:lvl7pPr marL="2743200" indent="0" algn="ctr" defTabSz="914400" rtl="0" eaLnBrk="1" latinLnBrk="0" hangingPunct="1">
+              <a:lnSpc>
+                <a:spcPct val="90000"/>
+              </a:lnSpc>
+              <a:spcBef>
+                <a:spcPts val="500"/>
+              </a:spcBef>
+              <a:buFont typeface="Arial" panose="020B0604020202020204" pitchFamily="34" charset="0"/>
+              <a:buNone/>
+              <a:defRPr sz="1600" kern="1200">
+                <a:solidFill>
+                  <a:schemeClr val="tx1"/>
+                </a:solidFill>
+                <a:latin typeface="+mn-lt"/>
+                <a:ea typeface="+mn-ea"/>
+                <a:cs typeface="+mn-cs"/>
+              </a:defRPr>
+            </a:lvl7pPr>
+            <a:lvl8pPr marL="3200400" indent="0" algn="ctr" defTabSz="914400" rtl="0" eaLnBrk="1" latinLnBrk="0" hangingPunct="1">
+              <a:lnSpc>
+                <a:spcPct val="90000"/>
+              </a:lnSpc>
+              <a:spcBef>
+                <a:spcPts val="500"/>
+              </a:spcBef>
+              <a:buFont typeface="Arial" panose="020B0604020202020204" pitchFamily="34" charset="0"/>
+              <a:buNone/>
+              <a:defRPr sz="1600" kern="1200">
+                <a:solidFill>
+                  <a:schemeClr val="tx1"/>
+                </a:solidFill>
+                <a:latin typeface="+mn-lt"/>
+                <a:ea typeface="+mn-ea"/>
+                <a:cs typeface="+mn-cs"/>
+              </a:defRPr>
+            </a:lvl8pPr>
+            <a:lvl9pPr marL="3657600" indent="0" algn="ctr" defTabSz="914400" rtl="0" eaLnBrk="1" latinLnBrk="0" hangingPunct="1">
+              <a:lnSpc>
+                <a:spcPct val="90000"/>
+              </a:lnSpc>
+              <a:spcBef>
+                <a:spcPts val="500"/>
+              </a:spcBef>
+              <a:buFont typeface="Arial" panose="020B0604020202020204" pitchFamily="34" charset="0"/>
+              <a:buNone/>
+              <a:defRPr sz="1600" kern="1200">
+                <a:solidFill>
+                  <a:schemeClr val="tx1"/>
+                </a:solidFill>
+                <a:latin typeface="+mn-lt"/>
+                <a:ea typeface="+mn-ea"/>
+                <a:cs typeface="+mn-cs"/>
+              </a:defRPr>
+            </a:lvl9pPr>
+          </a:lstStyle>
+          <a:p>
+            <a:r>
+              <a:rPr lang="ru-RU" sz="6600" b="1" dirty="0" smtClean="0">
+                <a:solidFill>
+                  <a:schemeClr val="bg1"/>
+                </a:solidFill>
+                <a:latin typeface="Bahnschrift Condensed" panose="020B0502040204020203" pitchFamily="34" charset="0"/>
+                <a:cs typeface="Arial" panose="020B0604020202020204" pitchFamily="34" charset="0"/>
+              </a:rPr>
+              <a:t>Архитектура системы</a:t>
+            </a:r>
+            <a:endParaRPr lang="en-US" sz="6600" b="1" dirty="0">
+              <a:solidFill>
+                <a:schemeClr val="bg1"/>
+              </a:solidFill>
+              <a:latin typeface="Bahnschrift Condensed" panose="020B0502040204020203" pitchFamily="34" charset="0"/>
+              <a:cs typeface="Arial" panose="020B0604020202020204" pitchFamily="34" charset="0"/>
+            </a:endParaRPr>
+          </a:p>
+        </p:txBody>
+      </p:sp>
+    </p:spTree>
+    <p:extLst>
+      <p:ext uri="{BB962C8B-B14F-4D97-AF65-F5344CB8AC3E}">
+        <p14:creationId xmlns:p14="http://schemas.microsoft.com/office/powerpoint/2010/main" val="2196824136"/>
+      </p:ext>
+    </p:extLst>
+  </p:cSld>
+  <p:clrMapOvr>
+    <a:masterClrMapping/>
+  </p:clrMapOvr>
+  <p:timing>
+    <p:tnLst>
+      <p:par>
+        <p:cTn id="1" dur="indefinite" restart="never" nodeType="tmRoot"/>
+      </p:par>
+    </p:tnLst>
+  </p:timing>
+</p:sld>
+</file>
+
+<file path=ppt/slides/slide8.xml><?xml version="1.0" encoding="utf-8"?>
+<p:sld xmlns:a="http://schemas.openxmlformats.org/drawingml/2006/main" xmlns:r="http://schemas.openxmlformats.org/officeDocument/2006/relationships" xmlns:p="http://schemas.openxmlformats.org/presentationml/2006/main">
+  <p:cSld>
+    <p:bg>
+      <p:bgPr>
+        <a:solidFill>
+          <a:srgbClr val="FF5124"/>
+        </a:solidFill>
+        <a:effectLst/>
+      </p:bgPr>
+    </p:bg>
+    <p:spTree>
+      <p:nvGrpSpPr>
+        <p:cNvPr id="1" name=""/>
+        <p:cNvGrpSpPr/>
+        <p:nvPr/>
+      </p:nvGrpSpPr>
+      <p:grpSpPr>
+        <a:xfrm>
+          <a:off x="0" y="0"/>
+          <a:ext cx="0" cy="0"/>
+          <a:chOff x="0" y="0"/>
+          <a:chExt cx="0" cy="0"/>
+        </a:xfrm>
+      </p:grpSpPr>
+      <p:pic>
+        <p:nvPicPr>
+          <p:cNvPr id="4" name="Рисунок 3"/>
+          <p:cNvPicPr>
+            <a:picLocks noChangeAspect="1"/>
+          </p:cNvPicPr>
+          <p:nvPr/>
+        </p:nvPicPr>
+        <p:blipFill>
+          <a:blip r:embed="rId2"/>
+          <a:stretch>
+            <a:fillRect/>
+          </a:stretch>
+        </p:blipFill>
+        <p:spPr>
+          <a:xfrm>
+            <a:off x="10376451" y="4899657"/>
+            <a:ext cx="1486937" cy="1811498"/>
+          </a:xfrm>
+          <a:prstGeom prst="rect">
+            <a:avLst/>
+          </a:prstGeom>
+        </p:spPr>
+      </p:pic>
+      <p:sp>
+        <p:nvSpPr>
+          <p:cNvPr id="9" name="Подзаголовок 2"/>
+          <p:cNvSpPr txBox="1">
+            <a:spLocks/>
+          </p:cNvSpPr>
+          <p:nvPr/>
+        </p:nvSpPr>
+        <p:spPr>
+          <a:xfrm>
+            <a:off x="1562100" y="0"/>
+            <a:ext cx="9067798" cy="1067990"/>
+          </a:xfrm>
+          <a:prstGeom prst="rect">
+            <a:avLst/>
+          </a:prstGeom>
+        </p:spPr>
+        <p:txBody>
+          <a:bodyPr vert="horz" lIns="91440" tIns="45720" rIns="91440" bIns="45720" rtlCol="0">
+            <a:noAutofit/>
+          </a:bodyPr>
+          <a:lstStyle>
+            <a:lvl1pPr marL="0" indent="0" algn="ctr" defTabSz="914400" rtl="0" eaLnBrk="1" latinLnBrk="0" hangingPunct="1">
+              <a:lnSpc>
+                <a:spcPct val="90000"/>
+              </a:lnSpc>
+              <a:spcBef>
+                <a:spcPts val="1000"/>
+              </a:spcBef>
+              <a:buFont typeface="Arial" panose="020B0604020202020204" pitchFamily="34" charset="0"/>
+              <a:buNone/>
+              <a:defRPr sz="2400" kern="1200">
+                <a:solidFill>
+                  <a:schemeClr val="tx1"/>
+                </a:solidFill>
+                <a:latin typeface="+mn-lt"/>
+                <a:ea typeface="+mn-ea"/>
+                <a:cs typeface="+mn-cs"/>
+              </a:defRPr>
+            </a:lvl1pPr>
+            <a:lvl2pPr marL="457200" indent="0" algn="ctr" defTabSz="914400" rtl="0" eaLnBrk="1" latinLnBrk="0" hangingPunct="1">
+              <a:lnSpc>
+                <a:spcPct val="90000"/>
+              </a:lnSpc>
+              <a:spcBef>
+                <a:spcPts val="500"/>
+              </a:spcBef>
+              <a:buFont typeface="Arial" panose="020B0604020202020204" pitchFamily="34" charset="0"/>
+              <a:buNone/>
+              <a:defRPr sz="2000" kern="1200">
+                <a:solidFill>
+                  <a:schemeClr val="tx1"/>
+                </a:solidFill>
+                <a:latin typeface="+mn-lt"/>
+                <a:ea typeface="+mn-ea"/>
+                <a:cs typeface="+mn-cs"/>
+              </a:defRPr>
+            </a:lvl2pPr>
+            <a:lvl3pPr marL="914400" indent="0" algn="ctr" defTabSz="914400" rtl="0" eaLnBrk="1" latinLnBrk="0" hangingPunct="1">
+              <a:lnSpc>
+                <a:spcPct val="90000"/>
+              </a:lnSpc>
+              <a:spcBef>
+                <a:spcPts val="500"/>
+              </a:spcBef>
+              <a:buFont typeface="Arial" panose="020B0604020202020204" pitchFamily="34" charset="0"/>
+              <a:buNone/>
+              <a:defRPr sz="1800" kern="1200">
+                <a:solidFill>
+                  <a:schemeClr val="tx1"/>
+                </a:solidFill>
+                <a:latin typeface="+mn-lt"/>
+                <a:ea typeface="+mn-ea"/>
+                <a:cs typeface="+mn-cs"/>
+              </a:defRPr>
+            </a:lvl3pPr>
+            <a:lvl4pPr marL="1371600" indent="0" algn="ctr" defTabSz="914400" rtl="0" eaLnBrk="1" latinLnBrk="0" hangingPunct="1">
+              <a:lnSpc>
+                <a:spcPct val="90000"/>
+              </a:lnSpc>
+              <a:spcBef>
+                <a:spcPts val="500"/>
+              </a:spcBef>
+              <a:buFont typeface="Arial" panose="020B0604020202020204" pitchFamily="34" charset="0"/>
+              <a:buNone/>
+              <a:defRPr sz="1600" kern="1200">
+                <a:solidFill>
+                  <a:schemeClr val="tx1"/>
+                </a:solidFill>
+                <a:latin typeface="+mn-lt"/>
+                <a:ea typeface="+mn-ea"/>
+                <a:cs typeface="+mn-cs"/>
+              </a:defRPr>
+            </a:lvl4pPr>
+            <a:lvl5pPr marL="1828800" indent="0" algn="ctr" defTabSz="914400" rtl="0" eaLnBrk="1" latinLnBrk="0" hangingPunct="1">
+              <a:lnSpc>
+                <a:spcPct val="90000"/>
+              </a:lnSpc>
+              <a:spcBef>
+                <a:spcPts val="500"/>
+              </a:spcBef>
+              <a:buFont typeface="Arial" panose="020B0604020202020204" pitchFamily="34" charset="0"/>
+              <a:buNone/>
+              <a:defRPr sz="1600" kern="1200">
+                <a:solidFill>
+                  <a:schemeClr val="tx1"/>
+                </a:solidFill>
+                <a:latin typeface="+mn-lt"/>
+                <a:ea typeface="+mn-ea"/>
+                <a:cs typeface="+mn-cs"/>
+              </a:defRPr>
+            </a:lvl5pPr>
+            <a:lvl6pPr marL="2286000" indent="0" algn="ctr" defTabSz="914400" rtl="0" eaLnBrk="1" latinLnBrk="0" hangingPunct="1">
+              <a:lnSpc>
+                <a:spcPct val="90000"/>
+              </a:lnSpc>
+              <a:spcBef>
+                <a:spcPts val="500"/>
+              </a:spcBef>
+              <a:buFont typeface="Arial" panose="020B0604020202020204" pitchFamily="34" charset="0"/>
+              <a:buNone/>
+              <a:defRPr sz="1600" kern="1200">
+                <a:solidFill>
+                  <a:schemeClr val="tx1"/>
+                </a:solidFill>
+                <a:latin typeface="+mn-lt"/>
+                <a:ea typeface="+mn-ea"/>
+                <a:cs typeface="+mn-cs"/>
+              </a:defRPr>
+            </a:lvl6pPr>
+            <a:lvl7pPr marL="2743200" indent="0" algn="ctr" defTabSz="914400" rtl="0" eaLnBrk="1" latinLnBrk="0" hangingPunct="1">
+              <a:lnSpc>
+                <a:spcPct val="90000"/>
+              </a:lnSpc>
+              <a:spcBef>
+                <a:spcPts val="500"/>
+              </a:spcBef>
+              <a:buFont typeface="Arial" panose="020B0604020202020204" pitchFamily="34" charset="0"/>
+              <a:buNone/>
+              <a:defRPr sz="1600" kern="1200">
+                <a:solidFill>
+                  <a:schemeClr val="tx1"/>
+                </a:solidFill>
+                <a:latin typeface="+mn-lt"/>
+                <a:ea typeface="+mn-ea"/>
+                <a:cs typeface="+mn-cs"/>
+              </a:defRPr>
+            </a:lvl7pPr>
+            <a:lvl8pPr marL="3200400" indent="0" algn="ctr" defTabSz="914400" rtl="0" eaLnBrk="1" latinLnBrk="0" hangingPunct="1">
+              <a:lnSpc>
+                <a:spcPct val="90000"/>
+              </a:lnSpc>
+              <a:spcBef>
+                <a:spcPts val="500"/>
+              </a:spcBef>
+              <a:buFont typeface="Arial" panose="020B0604020202020204" pitchFamily="34" charset="0"/>
+              <a:buNone/>
+              <a:defRPr sz="1600" kern="1200">
+                <a:solidFill>
+                  <a:schemeClr val="tx1"/>
+                </a:solidFill>
+                <a:latin typeface="+mn-lt"/>
+                <a:ea typeface="+mn-ea"/>
+                <a:cs typeface="+mn-cs"/>
+              </a:defRPr>
+            </a:lvl8pPr>
+            <a:lvl9pPr marL="3657600" indent="0" algn="ctr" defTabSz="914400" rtl="0" eaLnBrk="1" latinLnBrk="0" hangingPunct="1">
+              <a:lnSpc>
+                <a:spcPct val="90000"/>
+              </a:lnSpc>
+              <a:spcBef>
+                <a:spcPts val="500"/>
+              </a:spcBef>
+              <a:buFont typeface="Arial" panose="020B0604020202020204" pitchFamily="34" charset="0"/>
+              <a:buNone/>
+              <a:defRPr sz="1600" kern="1200">
+                <a:solidFill>
+                  <a:schemeClr val="tx1"/>
+                </a:solidFill>
+                <a:latin typeface="+mn-lt"/>
+                <a:ea typeface="+mn-ea"/>
+                <a:cs typeface="+mn-cs"/>
+              </a:defRPr>
+            </a:lvl9pPr>
+          </a:lstStyle>
+          <a:p>
+            <a:r>
+              <a:rPr lang="ru-RU" sz="6000" b="1" dirty="0" smtClean="0">
+                <a:solidFill>
+                  <a:schemeClr val="bg1"/>
+                </a:solidFill>
+                <a:latin typeface="Bahnschrift Condensed" panose="020B0502040204020203" pitchFamily="34" charset="0"/>
+                <a:cs typeface="Arial" panose="020B0604020202020204" pitchFamily="34" charset="0"/>
+              </a:rPr>
+              <a:t>Преимущества разработанного ПО</a:t>
+            </a:r>
+            <a:endParaRPr lang="en-US" sz="6000" b="1" dirty="0">
+              <a:solidFill>
+                <a:schemeClr val="bg1"/>
+              </a:solidFill>
+              <a:latin typeface="Bahnschrift Condensed" panose="020B0502040204020203" pitchFamily="34" charset="0"/>
+              <a:cs typeface="Arial" panose="020B0604020202020204" pitchFamily="34" charset="0"/>
+            </a:endParaRPr>
+          </a:p>
+        </p:txBody>
+      </p:sp>
+    </p:spTree>
+    <p:extLst>
+      <p:ext uri="{BB962C8B-B14F-4D97-AF65-F5344CB8AC3E}">
+        <p14:creationId xmlns:p14="http://schemas.microsoft.com/office/powerpoint/2010/main" val="3574310319"/>
+      </p:ext>
+    </p:extLst>
+  </p:cSld>
+  <p:clrMapOvr>
+    <a:masterClrMapping/>
+  </p:clrMapOvr>
+  <p:timing>
+    <p:tnLst>
+      <p:par>
+        <p:cTn id="1" dur="indefinite" restart="never" nodeType="tmRoot"/>
+      </p:par>
+    </p:tnLst>
+  </p:timing>
+</p:sld>
+</file>
+
+<file path=ppt/slides/slide9.xml><?xml version="1.0" encoding="utf-8"?>
+<p:sld xmlns:a="http://schemas.openxmlformats.org/drawingml/2006/main" xmlns:r="http://schemas.openxmlformats.org/officeDocument/2006/relationships" xmlns:p="http://schemas.openxmlformats.org/presentationml/2006/main">
+  <p:cSld>
+    <p:bg>
+      <p:bgPr>
+        <a:solidFill>
+          <a:srgbClr val="FF5124"/>
+        </a:solidFill>
+        <a:effectLst/>
+      </p:bgPr>
+    </p:bg>
+    <p:spTree>
+      <p:nvGrpSpPr>
+        <p:cNvPr id="1" name=""/>
+        <p:cNvGrpSpPr/>
+        <p:nvPr/>
+      </p:nvGrpSpPr>
+      <p:grpSpPr>
+        <a:xfrm>
+          <a:off x="0" y="0"/>
+          <a:ext cx="0" cy="0"/>
+          <a:chOff x="0" y="0"/>
+          <a:chExt cx="0" cy="0"/>
+        </a:xfrm>
+      </p:grpSpPr>
+      <p:pic>
+        <p:nvPicPr>
+          <p:cNvPr id="4" name="Рисунок 3"/>
+          <p:cNvPicPr>
+            <a:picLocks noChangeAspect="1"/>
+          </p:cNvPicPr>
+          <p:nvPr/>
+        </p:nvPicPr>
+        <p:blipFill>
+          <a:blip r:embed="rId2"/>
+          <a:stretch>
+            <a:fillRect/>
+          </a:stretch>
+        </p:blipFill>
+        <p:spPr>
+          <a:xfrm>
+            <a:off x="10376451" y="4899657"/>
+            <a:ext cx="1486937" cy="1811498"/>
+          </a:xfrm>
+          <a:prstGeom prst="rect">
+            <a:avLst/>
+          </a:prstGeom>
+        </p:spPr>
+      </p:pic>
+      <p:sp>
+        <p:nvSpPr>
+          <p:cNvPr id="9" name="Подзаголовок 2"/>
+          <p:cNvSpPr txBox="1">
+            <a:spLocks/>
+          </p:cNvSpPr>
+          <p:nvPr/>
+        </p:nvSpPr>
+        <p:spPr>
+          <a:xfrm>
+            <a:off x="4181475" y="0"/>
+            <a:ext cx="3829048" cy="1067990"/>
+          </a:xfrm>
+          <a:prstGeom prst="rect">
+            <a:avLst/>
+          </a:prstGeom>
+        </p:spPr>
+        <p:txBody>
+          <a:bodyPr vert="horz" lIns="91440" tIns="45720" rIns="91440" bIns="45720" rtlCol="0">
+            <a:noAutofit/>
+          </a:bodyPr>
+          <a:lstStyle>
+            <a:lvl1pPr marL="0" indent="0" algn="ctr" defTabSz="914400" rtl="0" eaLnBrk="1" latinLnBrk="0" hangingPunct="1">
+              <a:lnSpc>
+                <a:spcPct val="90000"/>
+              </a:lnSpc>
+              <a:spcBef>
+                <a:spcPts val="1000"/>
+              </a:spcBef>
+              <a:buFont typeface="Arial" panose="020B0604020202020204" pitchFamily="34" charset="0"/>
+              <a:buNone/>
+              <a:defRPr sz="2400" kern="1200">
+                <a:solidFill>
+                  <a:schemeClr val="tx1"/>
+                </a:solidFill>
+                <a:latin typeface="+mn-lt"/>
+                <a:ea typeface="+mn-ea"/>
+                <a:cs typeface="+mn-cs"/>
+              </a:defRPr>
+            </a:lvl1pPr>
+            <a:lvl2pPr marL="457200" indent="0" algn="ctr" defTabSz="914400" rtl="0" eaLnBrk="1" latinLnBrk="0" hangingPunct="1">
+              <a:lnSpc>
+                <a:spcPct val="90000"/>
+              </a:lnSpc>
+              <a:spcBef>
+                <a:spcPts val="500"/>
+              </a:spcBef>
+              <a:buFont typeface="Arial" panose="020B0604020202020204" pitchFamily="34" charset="0"/>
+              <a:buNone/>
+              <a:defRPr sz="2000" kern="1200">
+                <a:solidFill>
+                  <a:schemeClr val="tx1"/>
+                </a:solidFill>
+                <a:latin typeface="+mn-lt"/>
+                <a:ea typeface="+mn-ea"/>
+                <a:cs typeface="+mn-cs"/>
+              </a:defRPr>
+            </a:lvl2pPr>
+            <a:lvl3pPr marL="914400" indent="0" algn="ctr" defTabSz="914400" rtl="0" eaLnBrk="1" latinLnBrk="0" hangingPunct="1">
+              <a:lnSpc>
+                <a:spcPct val="90000"/>
+              </a:lnSpc>
+              <a:spcBef>
+                <a:spcPts val="500"/>
+              </a:spcBef>
+              <a:buFont typeface="Arial" panose="020B0604020202020204" pitchFamily="34" charset="0"/>
+              <a:buNone/>
+              <a:defRPr sz="1800" kern="1200">
+                <a:solidFill>
+                  <a:schemeClr val="tx1"/>
+                </a:solidFill>
+                <a:latin typeface="+mn-lt"/>
+                <a:ea typeface="+mn-ea"/>
+                <a:cs typeface="+mn-cs"/>
+              </a:defRPr>
+            </a:lvl3pPr>
+            <a:lvl4pPr marL="1371600" indent="0" algn="ctr" defTabSz="914400" rtl="0" eaLnBrk="1" latinLnBrk="0" hangingPunct="1">
+              <a:lnSpc>
+                <a:spcPct val="90000"/>
+              </a:lnSpc>
+              <a:spcBef>
+                <a:spcPts val="500"/>
+              </a:spcBef>
+              <a:buFont typeface="Arial" panose="020B0604020202020204" pitchFamily="34" charset="0"/>
+              <a:buNone/>
+              <a:defRPr sz="1600" kern="1200">
+                <a:solidFill>
+                  <a:schemeClr val="tx1"/>
+                </a:solidFill>
+                <a:latin typeface="+mn-lt"/>
+                <a:ea typeface="+mn-ea"/>
+                <a:cs typeface="+mn-cs"/>
+              </a:defRPr>
+            </a:lvl4pPr>
+            <a:lvl5pPr marL="1828800" indent="0" algn="ctr" defTabSz="914400" rtl="0" eaLnBrk="1" latinLnBrk="0" hangingPunct="1">
+              <a:lnSpc>
+                <a:spcPct val="90000"/>
+              </a:lnSpc>
+              <a:spcBef>
+                <a:spcPts val="500"/>
+              </a:spcBef>
+              <a:buFont typeface="Arial" panose="020B0604020202020204" pitchFamily="34" charset="0"/>
+              <a:buNone/>
+              <a:defRPr sz="1600" kern="1200">
+                <a:solidFill>
+                  <a:schemeClr val="tx1"/>
+                </a:solidFill>
+                <a:latin typeface="+mn-lt"/>
+                <a:ea typeface="+mn-ea"/>
+                <a:cs typeface="+mn-cs"/>
+              </a:defRPr>
+            </a:lvl5pPr>
+            <a:lvl6pPr marL="2286000" indent="0" algn="ctr" defTabSz="914400" rtl="0" eaLnBrk="1" latinLnBrk="0" hangingPunct="1">
+              <a:lnSpc>
+                <a:spcPct val="90000"/>
+              </a:lnSpc>
+              <a:spcBef>
+                <a:spcPts val="500"/>
+              </a:spcBef>
+              <a:buFont typeface="Arial" panose="020B0604020202020204" pitchFamily="34" charset="0"/>
+              <a:buNone/>
+              <a:defRPr sz="1600" kern="1200">
+                <a:solidFill>
+                  <a:schemeClr val="tx1"/>
+                </a:solidFill>
+                <a:latin typeface="+mn-lt"/>
+                <a:ea typeface="+mn-ea"/>
+                <a:cs typeface="+mn-cs"/>
+              </a:defRPr>
+            </a:lvl6pPr>
+            <a:lvl7pPr marL="2743200" indent="0" algn="ctr" defTabSz="914400" rtl="0" eaLnBrk="1" latinLnBrk="0" hangingPunct="1">
+              <a:lnSpc>
+                <a:spcPct val="90000"/>
+              </a:lnSpc>
+              <a:spcBef>
+                <a:spcPts val="500"/>
+              </a:spcBef>
+              <a:buFont typeface="Arial" panose="020B0604020202020204" pitchFamily="34" charset="0"/>
+              <a:buNone/>
+              <a:defRPr sz="1600" kern="1200">
+                <a:solidFill>
+                  <a:schemeClr val="tx1"/>
+                </a:solidFill>
+                <a:latin typeface="+mn-lt"/>
+                <a:ea typeface="+mn-ea"/>
+                <a:cs typeface="+mn-cs"/>
+              </a:defRPr>
+            </a:lvl7pPr>
+            <a:lvl8pPr marL="3200400" indent="0" algn="ctr" defTabSz="914400" rtl="0" eaLnBrk="1" latinLnBrk="0" hangingPunct="1">
+              <a:lnSpc>
+                <a:spcPct val="90000"/>
+              </a:lnSpc>
+              <a:spcBef>
+                <a:spcPts val="500"/>
+              </a:spcBef>
+              <a:buFont typeface="Arial" panose="020B0604020202020204" pitchFamily="34" charset="0"/>
+              <a:buNone/>
+              <a:defRPr sz="1600" kern="1200">
+                <a:solidFill>
+                  <a:schemeClr val="tx1"/>
+                </a:solidFill>
+                <a:latin typeface="+mn-lt"/>
+                <a:ea typeface="+mn-ea"/>
+                <a:cs typeface="+mn-cs"/>
+              </a:defRPr>
+            </a:lvl8pPr>
+            <a:lvl9pPr marL="3657600" indent="0" algn="ctr" defTabSz="914400" rtl="0" eaLnBrk="1" latinLnBrk="0" hangingPunct="1">
+              <a:lnSpc>
+                <a:spcPct val="90000"/>
+              </a:lnSpc>
+              <a:spcBef>
+                <a:spcPts val="500"/>
+              </a:spcBef>
+              <a:buFont typeface="Arial" panose="020B0604020202020204" pitchFamily="34" charset="0"/>
+              <a:buNone/>
+              <a:defRPr sz="1600" kern="1200">
+                <a:solidFill>
+                  <a:schemeClr val="tx1"/>
+                </a:solidFill>
+                <a:latin typeface="+mn-lt"/>
+                <a:ea typeface="+mn-ea"/>
+                <a:cs typeface="+mn-cs"/>
+              </a:defRPr>
+            </a:lvl9pPr>
+          </a:lstStyle>
+          <a:p>
+            <a:r>
+              <a:rPr lang="ru-RU" sz="6000" b="1" dirty="0" smtClean="0">
+                <a:solidFill>
+                  <a:schemeClr val="bg1"/>
+                </a:solidFill>
+                <a:latin typeface="Bahnschrift Condensed" panose="020B0502040204020203" pitchFamily="34" charset="0"/>
+                <a:cs typeface="Arial" panose="020B0604020202020204" pitchFamily="34" charset="0"/>
+              </a:rPr>
+              <a:t>Заключени</a:t>
+            </a:r>
+            <a:r>
+              <a:rPr lang="ru-RU" sz="6000" b="1" dirty="0">
+                <a:solidFill>
+                  <a:schemeClr val="bg1"/>
+                </a:solidFill>
+                <a:latin typeface="Bahnschrift Condensed" panose="020B0502040204020203" pitchFamily="34" charset="0"/>
+                <a:cs typeface="Arial" panose="020B0604020202020204" pitchFamily="34" charset="0"/>
+              </a:rPr>
+              <a:t>е</a:t>
+            </a:r>
+            <a:endParaRPr lang="ru-RU" sz="6000" b="1" dirty="0" smtClean="0">
+              <a:solidFill>
+                <a:schemeClr val="bg1"/>
+              </a:solidFill>
+              <a:latin typeface="Bahnschrift Condensed" panose="020B0502040204020203" pitchFamily="34" charset="0"/>
+              <a:cs typeface="Arial" panose="020B0604020202020204" pitchFamily="34" charset="0"/>
+            </a:endParaRPr>
+          </a:p>
+        </p:txBody>
+      </p:sp>
+    </p:spTree>
+    <p:extLst>
+      <p:ext uri="{BB962C8B-B14F-4D97-AF65-F5344CB8AC3E}">
+        <p14:creationId xmlns:p14="http://schemas.microsoft.com/office/powerpoint/2010/main" val="2594082298"/>
       </p:ext>
     </p:extLst>
   </p:cSld>
@@ -4289,4 +8179,265 @@
     </a:ext>
   </a:extLst>
 </a:theme>
+</file>
+
+<file path=ppt/theme/theme2.xml><?xml version="1.0" encoding="utf-8"?>
+<a:theme xmlns:a="http://schemas.openxmlformats.org/drawingml/2006/main" name="Тема Office">
+  <a:themeElements>
+    <a:clrScheme name="Стандартная">
+      <a:dk1>
+        <a:sysClr val="windowText" lastClr="000000"/>
+      </a:dk1>
+      <a:lt1>
+        <a:sysClr val="window" lastClr="FFFFFF"/>
+      </a:lt1>
+      <a:dk2>
+        <a:srgbClr val="44546A"/>
+      </a:dk2>
+      <a:lt2>
+        <a:srgbClr val="E7E6E6"/>
+      </a:lt2>
+      <a:accent1>
+        <a:srgbClr val="5B9BD5"/>
+      </a:accent1>
+      <a:accent2>
+        <a:srgbClr val="ED7D31"/>
+      </a:accent2>
+      <a:accent3>
+        <a:srgbClr val="A5A5A5"/>
+      </a:accent3>
+      <a:accent4>
+        <a:srgbClr val="FFC000"/>
+      </a:accent4>
+      <a:accent5>
+        <a:srgbClr val="4472C4"/>
+      </a:accent5>
+      <a:accent6>
+        <a:srgbClr val="70AD47"/>
+      </a:accent6>
+      <a:hlink>
+        <a:srgbClr val="0563C1"/>
+      </a:hlink>
+      <a:folHlink>
+        <a:srgbClr val="954F72"/>
+      </a:folHlink>
+    </a:clrScheme>
+    <a:fontScheme name="Стандартная">
+      <a:majorFont>
+        <a:latin typeface="Calibri Light" panose="020F0302020204030204"/>
+        <a:ea typeface=""/>
+        <a:cs typeface=""/>
+        <a:font script="Jpan" typeface="游ゴシック Light"/>
+        <a:font script="Hang" typeface="맑은 고딕"/>
+        <a:font script="Hans" typeface="等线 Light"/>
+        <a:font script="Hant" typeface="新細明體"/>
+        <a:font script="Arab" typeface="Times New Roman"/>
+        <a:font script="Hebr" typeface="Times New Roman"/>
+        <a:font script="Thai" typeface="Angsana New"/>
+        <a:font script="Ethi" typeface="Nyala"/>
+        <a:font script="Beng" typeface="Vrinda"/>
+        <a:font script="Gujr" typeface="Shruti"/>
+        <a:font script="Khmr" typeface="MoolBoran"/>
+        <a:font script="Knda" typeface="Tunga"/>
+        <a:font script="Guru" typeface="Raavi"/>
+        <a:font script="Cans" typeface="Euphemia"/>
+        <a:font script="Cher" typeface="Plantagenet Cherokee"/>
+        <a:font script="Yiii" typeface="Microsoft Yi Baiti"/>
+        <a:font script="Tibt" typeface="Microsoft Himalaya"/>
+        <a:font script="Thaa" typeface="MV Boli"/>
+        <a:font script="Deva" typeface="Mangal"/>
+        <a:font script="Telu" typeface="Gautami"/>
+        <a:font script="Taml" typeface="Latha"/>
+        <a:font script="Syrc" typeface="Estrangelo Edessa"/>
+        <a:font script="Orya" typeface="Kalinga"/>
+        <a:font script="Mlym" typeface="Kartika"/>
+        <a:font script="Laoo" typeface="DokChampa"/>
+        <a:font script="Sinh" typeface="Iskoola Pota"/>
+        <a:font script="Mong" typeface="Mongolian Baiti"/>
+        <a:font script="Viet" typeface="Times New Roman"/>
+        <a:font script="Uigh" typeface="Microsoft Uighur"/>
+        <a:font script="Geor" typeface="Sylfaen"/>
+      </a:majorFont>
+      <a:minorFont>
+        <a:latin typeface="Calibri" panose="020F0502020204030204"/>
+        <a:ea typeface=""/>
+        <a:cs typeface=""/>
+        <a:font script="Jpan" typeface="游ゴシック"/>
+        <a:font script="Hang" typeface="맑은 고딕"/>
+        <a:font script="Hans" typeface="等线"/>
+        <a:font script="Hant" typeface="新細明體"/>
+        <a:font script="Arab" typeface="Arial"/>
+        <a:font script="Hebr" typeface="Arial"/>
+        <a:font script="Thai" typeface="Cordia New"/>
+        <a:font script="Ethi" typeface="Nyala"/>
+        <a:font script="Beng" typeface="Vrinda"/>
+        <a:font script="Gujr" typeface="Shruti"/>
+        <a:font script="Khmr" typeface="DaunPenh"/>
+        <a:font script="Knda" typeface="Tunga"/>
+        <a:font script="Guru" typeface="Raavi"/>
+        <a:font script="Cans" typeface="Euphemia"/>
+        <a:font script="Cher" typeface="Plantagenet Cherokee"/>
+        <a:font script="Yiii" typeface="Microsoft Yi Baiti"/>
+        <a:font script="Tibt" typeface="Microsoft Himalaya"/>
+        <a:font script="Thaa" typeface="MV Boli"/>
+        <a:font script="Deva" typeface="Mangal"/>
+        <a:font script="Telu" typeface="Gautami"/>
+        <a:font script="Taml" typeface="Latha"/>
+        <a:font script="Syrc" typeface="Estrangelo Edessa"/>
+        <a:font script="Orya" typeface="Kalinga"/>
+        <a:font script="Mlym" typeface="Kartika"/>
+        <a:font script="Laoo" typeface="DokChampa"/>
+        <a:font script="Sinh" typeface="Iskoola Pota"/>
+        <a:font script="Mong" typeface="Mongolian Baiti"/>
+        <a:font script="Viet" typeface="Arial"/>
+        <a:font script="Uigh" typeface="Microsoft Uighur"/>
+        <a:font script="Geor" typeface="Sylfaen"/>
+      </a:minorFont>
+    </a:fontScheme>
+    <a:fmtScheme name="Стандартная">
+      <a:fillStyleLst>
+        <a:solidFill>
+          <a:schemeClr val="phClr"/>
+        </a:solidFill>
+        <a:gradFill rotWithShape="1">
+          <a:gsLst>
+            <a:gs pos="0">
+              <a:schemeClr val="phClr">
+                <a:lumMod val="110000"/>
+                <a:satMod val="105000"/>
+                <a:tint val="67000"/>
+              </a:schemeClr>
+            </a:gs>
+            <a:gs pos="50000">
+              <a:schemeClr val="phClr">
+                <a:lumMod val="105000"/>
+                <a:satMod val="103000"/>
+                <a:tint val="73000"/>
+              </a:schemeClr>
+            </a:gs>
+            <a:gs pos="100000">
+              <a:schemeClr val="phClr">
+                <a:lumMod val="105000"/>
+                <a:satMod val="109000"/>
+                <a:tint val="81000"/>
+              </a:schemeClr>
+            </a:gs>
+          </a:gsLst>
+          <a:lin ang="5400000" scaled="0"/>
+        </a:gradFill>
+        <a:gradFill rotWithShape="1">
+          <a:gsLst>
+            <a:gs pos="0">
+              <a:schemeClr val="phClr">
+                <a:satMod val="103000"/>
+                <a:lumMod val="102000"/>
+                <a:tint val="94000"/>
+              </a:schemeClr>
+            </a:gs>
+            <a:gs pos="50000">
+              <a:schemeClr val="phClr">
+                <a:satMod val="110000"/>
+                <a:lumMod val="100000"/>
+                <a:shade val="100000"/>
+              </a:schemeClr>
+            </a:gs>
+            <a:gs pos="100000">
+              <a:schemeClr val="phClr">
+                <a:lumMod val="99000"/>
+                <a:satMod val="120000"/>
+                <a:shade val="78000"/>
+              </a:schemeClr>
+            </a:gs>
+          </a:gsLst>
+          <a:lin ang="5400000" scaled="0"/>
+        </a:gradFill>
+      </a:fillStyleLst>
+      <a:lnStyleLst>
+        <a:ln w="6350" cap="flat" cmpd="sng" algn="ctr">
+          <a:solidFill>
+            <a:schemeClr val="phClr"/>
+          </a:solidFill>
+          <a:prstDash val="solid"/>
+          <a:miter lim="800000"/>
+        </a:ln>
+        <a:ln w="12700" cap="flat" cmpd="sng" algn="ctr">
+          <a:solidFill>
+            <a:schemeClr val="phClr"/>
+          </a:solidFill>
+          <a:prstDash val="solid"/>
+          <a:miter lim="800000"/>
+        </a:ln>
+        <a:ln w="19050" cap="flat" cmpd="sng" algn="ctr">
+          <a:solidFill>
+            <a:schemeClr val="phClr"/>
+          </a:solidFill>
+          <a:prstDash val="solid"/>
+          <a:miter lim="800000"/>
+        </a:ln>
+      </a:lnStyleLst>
+      <a:effectStyleLst>
+        <a:effectStyle>
+          <a:effectLst/>
+        </a:effectStyle>
+        <a:effectStyle>
+          <a:effectLst/>
+        </a:effectStyle>
+        <a:effectStyle>
+          <a:effectLst>
+            <a:outerShdw blurRad="57150" dist="19050" dir="5400000" algn="ctr" rotWithShape="0">
+              <a:srgbClr val="000000">
+                <a:alpha val="63000"/>
+              </a:srgbClr>
+            </a:outerShdw>
+          </a:effectLst>
+        </a:effectStyle>
+      </a:effectStyleLst>
+      <a:bgFillStyleLst>
+        <a:solidFill>
+          <a:schemeClr val="phClr"/>
+        </a:solidFill>
+        <a:solidFill>
+          <a:schemeClr val="phClr">
+            <a:tint val="95000"/>
+            <a:satMod val="170000"/>
+          </a:schemeClr>
+        </a:solidFill>
+        <a:gradFill rotWithShape="1">
+          <a:gsLst>
+            <a:gs pos="0">
+              <a:schemeClr val="phClr">
+                <a:tint val="93000"/>
+                <a:satMod val="150000"/>
+                <a:shade val="98000"/>
+                <a:lumMod val="102000"/>
+              </a:schemeClr>
+            </a:gs>
+            <a:gs pos="50000">
+              <a:schemeClr val="phClr">
+                <a:tint val="98000"/>
+                <a:satMod val="130000"/>
+                <a:shade val="90000"/>
+                <a:lumMod val="103000"/>
+              </a:schemeClr>
+            </a:gs>
+            <a:gs pos="100000">
+              <a:schemeClr val="phClr">
+                <a:shade val="63000"/>
+                <a:satMod val="120000"/>
+              </a:schemeClr>
+            </a:gs>
+          </a:gsLst>
+          <a:lin ang="5400000" scaled="0"/>
+        </a:gradFill>
+      </a:bgFillStyleLst>
+    </a:fmtScheme>
+  </a:themeElements>
+  <a:objectDefaults/>
+  <a:extraClrSchemeLst/>
+  <a:extLst>
+    <a:ext uri="{05A4C25C-085E-4340-85A3-A5531E510DB2}">
+      <thm15:themeFamily xmlns:thm15="http://schemas.microsoft.com/office/thememl/2012/main" name="Office Theme" id="{62F939B6-93AF-4DB8-9C6B-D6C7DFDC589F}" vid="{4A3C46E8-61CC-4603-A589-7422A47A8E4A}"/>
+    </a:ext>
+  </a:extLst>
+</a:theme>
 </file>